--- a/slides.pptx
+++ b/slides.pptx
@@ -136,7 +136,7 @@
       </p:grpSpPr>
       <p:sp>
         <p:nvSpPr>
-          <p:cNvPr id="1515107098" name="Header Placeholder 1"/>
+          <p:cNvPr id="1762277786" name="Header Placeholder 1"/>
           <p:cNvSpPr>
             <a:spLocks noGrp="1"/>
           </p:cNvSpPr>
@@ -170,7 +170,7 @@
       </p:sp>
       <p:sp>
         <p:nvSpPr>
-          <p:cNvPr id="801788038" name="Date Placeholder 2"/>
+          <p:cNvPr id="1124581510" name="Date Placeholder 2"/>
           <p:cNvSpPr>
             <a:spLocks noGrp="1"/>
           </p:cNvSpPr>
@@ -208,7 +208,7 @@
       </p:sp>
       <p:sp>
         <p:nvSpPr>
-          <p:cNvPr id="514020634" name="Slide Image Placeholder 3"/>
+          <p:cNvPr id="931906059" name="Slide Image Placeholder 3"/>
           <p:cNvSpPr>
             <a:spLocks noChangeAspect="1" noGrp="1" noRot="1"/>
           </p:cNvSpPr>
@@ -244,7 +244,7 @@
       </p:sp>
       <p:sp>
         <p:nvSpPr>
-          <p:cNvPr id="679743165" name="Notes Placeholder 4"/>
+          <p:cNvPr id="1349694505" name="Notes Placeholder 4"/>
           <p:cNvSpPr>
             <a:spLocks noGrp="1"/>
           </p:cNvSpPr>
@@ -318,7 +318,7 @@
       </p:sp>
       <p:sp>
         <p:nvSpPr>
-          <p:cNvPr id="1839618718" name="Footer Placeholder 5"/>
+          <p:cNvPr id="1447537443" name="Footer Placeholder 5"/>
           <p:cNvSpPr>
             <a:spLocks noGrp="1"/>
           </p:cNvSpPr>
@@ -352,7 +352,7 @@
       </p:sp>
       <p:sp>
         <p:nvSpPr>
-          <p:cNvPr id="151823626" name="Slide Number Placeholder 6"/>
+          <p:cNvPr id="1371544824" name="Slide Number Placeholder 6"/>
           <p:cNvSpPr>
             <a:spLocks noGrp="1"/>
           </p:cNvSpPr>
@@ -505,7 +505,7 @@
       </p:grpSpPr>
       <p:sp>
         <p:nvSpPr>
-          <p:cNvPr id="2118721175" name="Slide Image Placeholder 1"/>
+          <p:cNvPr id="152670928" name="Slide Image Placeholder 1"/>
           <p:cNvSpPr>
             <a:spLocks noChangeAspect="1" noGrp="1" noRot="1"/>
           </p:cNvSpPr>
@@ -522,7 +522,7 @@
       </p:sp>
       <p:sp>
         <p:nvSpPr>
-          <p:cNvPr id="1177561227" name="Notes Placeholder 2"/>
+          <p:cNvPr id="957491956" name="Notes Placeholder 2"/>
           <p:cNvSpPr>
             <a:spLocks noGrp="1"/>
           </p:cNvSpPr>
@@ -547,7 +547,7 @@
       </p:sp>
       <p:sp>
         <p:nvSpPr>
-          <p:cNvPr id="11507364" name="Slide Number Placeholder 3"/>
+          <p:cNvPr id="246613450" name="Slide Number Placeholder 3"/>
           <p:cNvSpPr>
             <a:spLocks noGrp="1"/>
           </p:cNvSpPr>
@@ -595,7 +595,7 @@
       </p:grpSpPr>
       <p:sp>
         <p:nvSpPr>
-          <p:cNvPr id="2040991980" name="Slide Image Placeholder 1"/>
+          <p:cNvPr id="1769817557" name="Slide Image Placeholder 1"/>
           <p:cNvSpPr>
             <a:spLocks noChangeAspect="1" noGrp="1" noRot="1"/>
           </p:cNvSpPr>
@@ -607,7 +607,7 @@
       </p:sp>
       <p:sp>
         <p:nvSpPr>
-          <p:cNvPr id="811340060" name="Notes Placeholder 2"/>
+          <p:cNvPr id="2122378921" name="Notes Placeholder 2"/>
           <p:cNvSpPr>
             <a:spLocks noGrp="1"/>
           </p:cNvSpPr>
@@ -629,7 +629,7 @@
       </p:sp>
       <p:sp>
         <p:nvSpPr>
-          <p:cNvPr id="2036737711" name="Slide Number Placeholder 3"/>
+          <p:cNvPr id="580276922" name="Slide Number Placeholder 3"/>
           <p:cNvSpPr>
             <a:spLocks noGrp="1"/>
           </p:cNvSpPr>
@@ -677,7 +677,7 @@
       </p:grpSpPr>
       <p:sp>
         <p:nvSpPr>
-          <p:cNvPr id="316484521" name="Slide Image Placeholder 1"/>
+          <p:cNvPr id="482148645" name="Slide Image Placeholder 1"/>
           <p:cNvSpPr>
             <a:spLocks noChangeAspect="1" noGrp="1" noRot="1"/>
           </p:cNvSpPr>
@@ -689,7 +689,7 @@
       </p:sp>
       <p:sp>
         <p:nvSpPr>
-          <p:cNvPr id="513440588" name="Notes Placeholder 2"/>
+          <p:cNvPr id="179005431" name="Notes Placeholder 2"/>
           <p:cNvSpPr>
             <a:spLocks noGrp="1"/>
           </p:cNvSpPr>
@@ -711,7 +711,7 @@
       </p:sp>
       <p:sp>
         <p:nvSpPr>
-          <p:cNvPr id="58727267" name="Slide Number Placeholder 3"/>
+          <p:cNvPr id="1968733317" name="Slide Number Placeholder 3"/>
           <p:cNvSpPr>
             <a:spLocks noGrp="1"/>
           </p:cNvSpPr>
@@ -759,7 +759,7 @@
       </p:grpSpPr>
       <p:sp>
         <p:nvSpPr>
-          <p:cNvPr id="1218613792" name="Title 1"/>
+          <p:cNvPr id="663557150" name="Title 1"/>
           <p:cNvSpPr>
             <a:spLocks noGrp="1"/>
           </p:cNvSpPr>
@@ -794,7 +794,7 @@
       </p:sp>
       <p:sp>
         <p:nvSpPr>
-          <p:cNvPr id="326151510" name="Subtitle 2"/>
+          <p:cNvPr id="1661742845" name="Subtitle 2"/>
           <p:cNvSpPr>
             <a:spLocks noGrp="1"/>
           </p:cNvSpPr>
@@ -862,7 +862,7 @@
       </p:sp>
       <p:sp>
         <p:nvSpPr>
-          <p:cNvPr id="1681420039" name="Date Placeholder 3"/>
+          <p:cNvPr id="835029721" name="Date Placeholder 3"/>
           <p:cNvSpPr>
             <a:spLocks noGrp="1"/>
           </p:cNvSpPr>
@@ -888,7 +888,7 @@
       </p:sp>
       <p:sp>
         <p:nvSpPr>
-          <p:cNvPr id="1615911641" name="Footer Placeholder 4"/>
+          <p:cNvPr id="1140568777" name="Footer Placeholder 4"/>
           <p:cNvSpPr>
             <a:spLocks noGrp="1"/>
           </p:cNvSpPr>
@@ -910,7 +910,7 @@
       </p:sp>
       <p:sp>
         <p:nvSpPr>
-          <p:cNvPr id="846023412" name="Slide Number Placeholder 5"/>
+          <p:cNvPr id="862323274" name="Slide Number Placeholder 5"/>
           <p:cNvSpPr>
             <a:spLocks noGrp="1"/>
           </p:cNvSpPr>
@@ -961,7 +961,7 @@
       </p:grpSpPr>
       <p:sp>
         <p:nvSpPr>
-          <p:cNvPr id="424911378" name="Title 1"/>
+          <p:cNvPr id="1175994787" name="Title 1"/>
           <p:cNvSpPr>
             <a:spLocks noGrp="1"/>
           </p:cNvSpPr>
@@ -987,7 +987,7 @@
       </p:sp>
       <p:sp>
         <p:nvSpPr>
-          <p:cNvPr id="1371674033" name="Vertical Text Placeholder 2"/>
+          <p:cNvPr id="586698435" name="Vertical Text Placeholder 2"/>
           <p:cNvSpPr>
             <a:spLocks noGrp="1"/>
           </p:cNvSpPr>
@@ -1053,7 +1053,7 @@
       </p:sp>
       <p:sp>
         <p:nvSpPr>
-          <p:cNvPr id="1068462199" name="Date Placeholder 3"/>
+          <p:cNvPr id="1167217911" name="Date Placeholder 3"/>
           <p:cNvSpPr>
             <a:spLocks noGrp="1"/>
           </p:cNvSpPr>
@@ -1079,7 +1079,7 @@
       </p:sp>
       <p:sp>
         <p:nvSpPr>
-          <p:cNvPr id="1669242754" name="Footer Placeholder 4"/>
+          <p:cNvPr id="203176990" name="Footer Placeholder 4"/>
           <p:cNvSpPr>
             <a:spLocks noGrp="1"/>
           </p:cNvSpPr>
@@ -1101,7 +1101,7 @@
       </p:sp>
       <p:sp>
         <p:nvSpPr>
-          <p:cNvPr id="617606251" name="Slide Number Placeholder 5"/>
+          <p:cNvPr id="338654574" name="Slide Number Placeholder 5"/>
           <p:cNvSpPr>
             <a:spLocks noGrp="1"/>
           </p:cNvSpPr>
@@ -1152,7 +1152,7 @@
       </p:grpSpPr>
       <p:sp>
         <p:nvSpPr>
-          <p:cNvPr id="1505907772" name="Vertical Title 1"/>
+          <p:cNvPr id="373912854" name="Vertical Title 1"/>
           <p:cNvSpPr>
             <a:spLocks noGrp="1"/>
           </p:cNvSpPr>
@@ -1183,7 +1183,7 @@
       </p:sp>
       <p:sp>
         <p:nvSpPr>
-          <p:cNvPr id="1832144611" name="Vertical Text Placeholder 2"/>
+          <p:cNvPr id="1655773861" name="Vertical Text Placeholder 2"/>
           <p:cNvSpPr>
             <a:spLocks noGrp="1"/>
           </p:cNvSpPr>
@@ -1193,7 +1193,7 @@
         </p:nvSpPr>
         <p:spPr bwMode="auto">
           <a:xfrm>
-            <a:off x="838199" y="365125"/>
+            <a:off x="838198" y="365125"/>
             <a:ext cx="7734299" cy="5811838"/>
           </a:xfrm>
         </p:spPr>
@@ -1254,7 +1254,7 @@
       </p:sp>
       <p:sp>
         <p:nvSpPr>
-          <p:cNvPr id="659263139" name="Date Placeholder 3"/>
+          <p:cNvPr id="492977908" name="Date Placeholder 3"/>
           <p:cNvSpPr>
             <a:spLocks noGrp="1"/>
           </p:cNvSpPr>
@@ -1280,7 +1280,7 @@
       </p:sp>
       <p:sp>
         <p:nvSpPr>
-          <p:cNvPr id="2055109087" name="Footer Placeholder 4"/>
+          <p:cNvPr id="1005387493" name="Footer Placeholder 4"/>
           <p:cNvSpPr>
             <a:spLocks noGrp="1"/>
           </p:cNvSpPr>
@@ -1302,7 +1302,7 @@
       </p:sp>
       <p:sp>
         <p:nvSpPr>
-          <p:cNvPr id="837987669" name="Slide Number Placeholder 5"/>
+          <p:cNvPr id="1113824675" name="Slide Number Placeholder 5"/>
           <p:cNvSpPr>
             <a:spLocks noGrp="1"/>
           </p:cNvSpPr>
@@ -1353,7 +1353,7 @@
       </p:grpSpPr>
       <p:sp>
         <p:nvSpPr>
-          <p:cNvPr id="773200007" name="Title 1"/>
+          <p:cNvPr id="1707835989" name="Title 1"/>
           <p:cNvSpPr>
             <a:spLocks noGrp="1"/>
           </p:cNvSpPr>
@@ -1379,7 +1379,7 @@
       </p:sp>
       <p:sp>
         <p:nvSpPr>
-          <p:cNvPr id="26590890" name="Content Placeholder 2"/>
+          <p:cNvPr id="1897502623" name="Content Placeholder 2"/>
           <p:cNvSpPr>
             <a:spLocks noGrp="1"/>
           </p:cNvSpPr>
@@ -1445,7 +1445,7 @@
       </p:sp>
       <p:sp>
         <p:nvSpPr>
-          <p:cNvPr id="359964305" name="Date Placeholder 3"/>
+          <p:cNvPr id="2133856218" name="Date Placeholder 3"/>
           <p:cNvSpPr>
             <a:spLocks noGrp="1"/>
           </p:cNvSpPr>
@@ -1471,7 +1471,7 @@
       </p:sp>
       <p:sp>
         <p:nvSpPr>
-          <p:cNvPr id="1129850727" name="Footer Placeholder 4"/>
+          <p:cNvPr id="1300559905" name="Footer Placeholder 4"/>
           <p:cNvSpPr>
             <a:spLocks noGrp="1"/>
           </p:cNvSpPr>
@@ -1493,7 +1493,7 @@
       </p:sp>
       <p:sp>
         <p:nvSpPr>
-          <p:cNvPr id="1243475886" name="Slide Number Placeholder 5"/>
+          <p:cNvPr id="1281832752" name="Slide Number Placeholder 5"/>
           <p:cNvSpPr>
             <a:spLocks noGrp="1"/>
           </p:cNvSpPr>
@@ -1544,7 +1544,7 @@
       </p:grpSpPr>
       <p:sp>
         <p:nvSpPr>
-          <p:cNvPr id="420436741" name="Title 1"/>
+          <p:cNvPr id="1515750644" name="Title 1"/>
           <p:cNvSpPr>
             <a:spLocks noGrp="1"/>
           </p:cNvSpPr>
@@ -1579,7 +1579,7 @@
       </p:sp>
       <p:sp>
         <p:nvSpPr>
-          <p:cNvPr id="1964667424" name="Text Placeholder 2"/>
+          <p:cNvPr id="1192017657" name="Text Placeholder 2"/>
           <p:cNvSpPr>
             <a:spLocks noGrp="1"/>
           </p:cNvSpPr>
@@ -1701,7 +1701,7 @@
       </p:sp>
       <p:sp>
         <p:nvSpPr>
-          <p:cNvPr id="1018384592" name="Date Placeholder 3"/>
+          <p:cNvPr id="419345968" name="Date Placeholder 3"/>
           <p:cNvSpPr>
             <a:spLocks noGrp="1"/>
           </p:cNvSpPr>
@@ -1727,7 +1727,7 @@
       </p:sp>
       <p:sp>
         <p:nvSpPr>
-          <p:cNvPr id="794369761" name="Footer Placeholder 4"/>
+          <p:cNvPr id="1168805609" name="Footer Placeholder 4"/>
           <p:cNvSpPr>
             <a:spLocks noGrp="1"/>
           </p:cNvSpPr>
@@ -1749,7 +1749,7 @@
       </p:sp>
       <p:sp>
         <p:nvSpPr>
-          <p:cNvPr id="1632358195" name="Slide Number Placeholder 5"/>
+          <p:cNvPr id="583658964" name="Slide Number Placeholder 5"/>
           <p:cNvSpPr>
             <a:spLocks noGrp="1"/>
           </p:cNvSpPr>
@@ -1800,7 +1800,7 @@
       </p:grpSpPr>
       <p:sp>
         <p:nvSpPr>
-          <p:cNvPr id="150692548" name="Title 1"/>
+          <p:cNvPr id="1057703319" name="Title 1"/>
           <p:cNvSpPr>
             <a:spLocks noGrp="1"/>
           </p:cNvSpPr>
@@ -1826,7 +1826,7 @@
       </p:sp>
       <p:sp>
         <p:nvSpPr>
-          <p:cNvPr id="1394665340" name="Content Placeholder 2"/>
+          <p:cNvPr id="957548935" name="Content Placeholder 2"/>
           <p:cNvSpPr>
             <a:spLocks noGrp="1"/>
           </p:cNvSpPr>
@@ -1836,7 +1836,7 @@
         </p:nvSpPr>
         <p:spPr bwMode="auto">
           <a:xfrm>
-            <a:off x="838199" y="1825625"/>
+            <a:off x="838198" y="1825625"/>
             <a:ext cx="5181599" cy="4351338"/>
           </a:xfrm>
         </p:spPr>
@@ -1897,7 +1897,7 @@
       </p:sp>
       <p:sp>
         <p:nvSpPr>
-          <p:cNvPr id="504915195" name="Content Placeholder 3"/>
+          <p:cNvPr id="837690308" name="Content Placeholder 3"/>
           <p:cNvSpPr>
             <a:spLocks noGrp="1"/>
           </p:cNvSpPr>
@@ -1968,7 +1968,7 @@
       </p:sp>
       <p:sp>
         <p:nvSpPr>
-          <p:cNvPr id="803945616" name="Date Placeholder 4"/>
+          <p:cNvPr id="640994530" name="Date Placeholder 4"/>
           <p:cNvSpPr>
             <a:spLocks noGrp="1"/>
           </p:cNvSpPr>
@@ -1994,7 +1994,7 @@
       </p:sp>
       <p:sp>
         <p:nvSpPr>
-          <p:cNvPr id="97721990" name="Footer Placeholder 5"/>
+          <p:cNvPr id="908621956" name="Footer Placeholder 5"/>
           <p:cNvSpPr>
             <a:spLocks noGrp="1"/>
           </p:cNvSpPr>
@@ -2016,7 +2016,7 @@
       </p:sp>
       <p:sp>
         <p:nvSpPr>
-          <p:cNvPr id="1393799883" name="Slide Number Placeholder 6"/>
+          <p:cNvPr id="2015786357" name="Slide Number Placeholder 6"/>
           <p:cNvSpPr>
             <a:spLocks noGrp="1"/>
           </p:cNvSpPr>
@@ -2067,7 +2067,7 @@
       </p:grpSpPr>
       <p:sp>
         <p:nvSpPr>
-          <p:cNvPr id="1076857903" name="Title 1"/>
+          <p:cNvPr id="1579186124" name="Title 1"/>
           <p:cNvSpPr>
             <a:spLocks noGrp="1"/>
           </p:cNvSpPr>
@@ -2098,7 +2098,7 @@
       </p:sp>
       <p:sp>
         <p:nvSpPr>
-          <p:cNvPr id="2122860197" name="Text Placeholder 2"/>
+          <p:cNvPr id="2078074332" name="Text Placeholder 2"/>
           <p:cNvSpPr>
             <a:spLocks noGrp="1"/>
           </p:cNvSpPr>
@@ -2109,7 +2109,7 @@
         <p:spPr bwMode="auto">
           <a:xfrm>
             <a:off x="839789" y="1681162"/>
-            <a:ext cx="5157786" cy="823911"/>
+            <a:ext cx="5157785" cy="823911"/>
           </a:xfrm>
         </p:spPr>
         <p:txBody>
@@ -2166,7 +2166,7 @@
       </p:sp>
       <p:sp>
         <p:nvSpPr>
-          <p:cNvPr id="977723816" name="Content Placeholder 3"/>
+          <p:cNvPr id="58354007" name="Content Placeholder 3"/>
           <p:cNvSpPr>
             <a:spLocks noGrp="1"/>
           </p:cNvSpPr>
@@ -2177,7 +2177,7 @@
         <p:spPr bwMode="auto">
           <a:xfrm>
             <a:off x="839789" y="2505074"/>
-            <a:ext cx="5157786" cy="3684587"/>
+            <a:ext cx="5157785" cy="3684587"/>
           </a:xfrm>
         </p:spPr>
         <p:txBody>
@@ -2237,7 +2237,7 @@
       </p:sp>
       <p:sp>
         <p:nvSpPr>
-          <p:cNvPr id="566605219" name="Text Placeholder 4"/>
+          <p:cNvPr id="1511999394" name="Text Placeholder 4"/>
           <p:cNvSpPr>
             <a:spLocks noGrp="1"/>
           </p:cNvSpPr>
@@ -2305,7 +2305,7 @@
       </p:sp>
       <p:sp>
         <p:nvSpPr>
-          <p:cNvPr id="119144936" name="Content Placeholder 5"/>
+          <p:cNvPr id="520730992" name="Content Placeholder 5"/>
           <p:cNvSpPr>
             <a:spLocks noGrp="1"/>
           </p:cNvSpPr>
@@ -2376,7 +2376,7 @@
       </p:sp>
       <p:sp>
         <p:nvSpPr>
-          <p:cNvPr id="635355293" name="Date Placeholder 6"/>
+          <p:cNvPr id="1215958070" name="Date Placeholder 6"/>
           <p:cNvSpPr>
             <a:spLocks noGrp="1"/>
           </p:cNvSpPr>
@@ -2402,7 +2402,7 @@
       </p:sp>
       <p:sp>
         <p:nvSpPr>
-          <p:cNvPr id="1007567472" name="Footer Placeholder 7"/>
+          <p:cNvPr id="1969959586" name="Footer Placeholder 7"/>
           <p:cNvSpPr>
             <a:spLocks noGrp="1"/>
           </p:cNvSpPr>
@@ -2424,7 +2424,7 @@
       </p:sp>
       <p:sp>
         <p:nvSpPr>
-          <p:cNvPr id="1814806841" name="Slide Number Placeholder 8"/>
+          <p:cNvPr id="418459733" name="Slide Number Placeholder 8"/>
           <p:cNvSpPr>
             <a:spLocks noGrp="1"/>
           </p:cNvSpPr>
@@ -2475,7 +2475,7 @@
       </p:grpSpPr>
       <p:sp>
         <p:nvSpPr>
-          <p:cNvPr id="548378181" name="Title 1"/>
+          <p:cNvPr id="640065972" name="Title 1"/>
           <p:cNvSpPr>
             <a:spLocks noGrp="1"/>
           </p:cNvSpPr>
@@ -2501,7 +2501,7 @@
       </p:sp>
       <p:sp>
         <p:nvSpPr>
-          <p:cNvPr id="1362643375" name="Date Placeholder 2"/>
+          <p:cNvPr id="1798080493" name="Date Placeholder 2"/>
           <p:cNvSpPr>
             <a:spLocks noGrp="1"/>
           </p:cNvSpPr>
@@ -2527,7 +2527,7 @@
       </p:sp>
       <p:sp>
         <p:nvSpPr>
-          <p:cNvPr id="1436137527" name="Footer Placeholder 3"/>
+          <p:cNvPr id="256296868" name="Footer Placeholder 3"/>
           <p:cNvSpPr>
             <a:spLocks noGrp="1"/>
           </p:cNvSpPr>
@@ -2549,7 +2549,7 @@
       </p:sp>
       <p:sp>
         <p:nvSpPr>
-          <p:cNvPr id="1836094304" name="Slide Number Placeholder 4"/>
+          <p:cNvPr id="1659734132" name="Slide Number Placeholder 4"/>
           <p:cNvSpPr>
             <a:spLocks noGrp="1"/>
           </p:cNvSpPr>
@@ -2600,7 +2600,7 @@
       </p:grpSpPr>
       <p:sp>
         <p:nvSpPr>
-          <p:cNvPr id="607831821" name="Date Placeholder 1"/>
+          <p:cNvPr id="90470717" name="Date Placeholder 1"/>
           <p:cNvSpPr>
             <a:spLocks noGrp="1"/>
           </p:cNvSpPr>
@@ -2626,7 +2626,7 @@
       </p:sp>
       <p:sp>
         <p:nvSpPr>
-          <p:cNvPr id="173388863" name="Footer Placeholder 2"/>
+          <p:cNvPr id="701004856" name="Footer Placeholder 2"/>
           <p:cNvSpPr>
             <a:spLocks noGrp="1"/>
           </p:cNvSpPr>
@@ -2648,7 +2648,7 @@
       </p:sp>
       <p:sp>
         <p:nvSpPr>
-          <p:cNvPr id="505437625" name="Slide Number Placeholder 3"/>
+          <p:cNvPr id="2067682235" name="Slide Number Placeholder 3"/>
           <p:cNvSpPr>
             <a:spLocks noGrp="1"/>
           </p:cNvSpPr>
@@ -2699,7 +2699,7 @@
       </p:grpSpPr>
       <p:sp>
         <p:nvSpPr>
-          <p:cNvPr id="658113047" name="Title 1"/>
+          <p:cNvPr id="707356553" name="Title 1"/>
           <p:cNvSpPr>
             <a:spLocks noGrp="1"/>
           </p:cNvSpPr>
@@ -2734,7 +2734,7 @@
       </p:sp>
       <p:sp>
         <p:nvSpPr>
-          <p:cNvPr id="195569237" name="Content Placeholder 2"/>
+          <p:cNvPr id="536472928" name="Content Placeholder 2"/>
           <p:cNvSpPr>
             <a:spLocks noGrp="1"/>
           </p:cNvSpPr>
@@ -2833,7 +2833,7 @@
       </p:sp>
       <p:sp>
         <p:nvSpPr>
-          <p:cNvPr id="109218955" name="Text Placeholder 3"/>
+          <p:cNvPr id="318404598" name="Text Placeholder 3"/>
           <p:cNvSpPr>
             <a:spLocks noGrp="1"/>
           </p:cNvSpPr>
@@ -2901,7 +2901,7 @@
       </p:sp>
       <p:sp>
         <p:nvSpPr>
-          <p:cNvPr id="1478311671" name="Date Placeholder 4"/>
+          <p:cNvPr id="1131047981" name="Date Placeholder 4"/>
           <p:cNvSpPr>
             <a:spLocks noGrp="1"/>
           </p:cNvSpPr>
@@ -2927,7 +2927,7 @@
       </p:sp>
       <p:sp>
         <p:nvSpPr>
-          <p:cNvPr id="1830449803" name="Footer Placeholder 5"/>
+          <p:cNvPr id="595887910" name="Footer Placeholder 5"/>
           <p:cNvSpPr>
             <a:spLocks noGrp="1"/>
           </p:cNvSpPr>
@@ -2949,7 +2949,7 @@
       </p:sp>
       <p:sp>
         <p:nvSpPr>
-          <p:cNvPr id="1632678760" name="Slide Number Placeholder 6"/>
+          <p:cNvPr id="2027021852" name="Slide Number Placeholder 6"/>
           <p:cNvSpPr>
             <a:spLocks noGrp="1"/>
           </p:cNvSpPr>
@@ -3000,7 +3000,7 @@
       </p:grpSpPr>
       <p:sp>
         <p:nvSpPr>
-          <p:cNvPr id="1536914761" name="Title 1"/>
+          <p:cNvPr id="488888785" name="Title 1"/>
           <p:cNvSpPr>
             <a:spLocks noGrp="1"/>
           </p:cNvSpPr>
@@ -3035,7 +3035,7 @@
       </p:sp>
       <p:sp>
         <p:nvSpPr>
-          <p:cNvPr id="1860135400" name="Picture Placeholder 2"/>
+          <p:cNvPr id="563244859" name="Picture Placeholder 2"/>
           <p:cNvSpPr>
             <a:spLocks noChangeAspect="1" noGrp="1"/>
           </p:cNvSpPr>
@@ -3103,7 +3103,7 @@
       </p:sp>
       <p:sp>
         <p:nvSpPr>
-          <p:cNvPr id="706589799" name="Text Placeholder 3"/>
+          <p:cNvPr id="1109690848" name="Text Placeholder 3"/>
           <p:cNvSpPr>
             <a:spLocks noGrp="1"/>
           </p:cNvSpPr>
@@ -3171,7 +3171,7 @@
       </p:sp>
       <p:sp>
         <p:nvSpPr>
-          <p:cNvPr id="1096938718" name="Date Placeholder 4"/>
+          <p:cNvPr id="1383453130" name="Date Placeholder 4"/>
           <p:cNvSpPr>
             <a:spLocks noGrp="1"/>
           </p:cNvSpPr>
@@ -3197,7 +3197,7 @@
       </p:sp>
       <p:sp>
         <p:nvSpPr>
-          <p:cNvPr id="785597013" name="Footer Placeholder 5"/>
+          <p:cNvPr id="869492395" name="Footer Placeholder 5"/>
           <p:cNvSpPr>
             <a:spLocks noGrp="1"/>
           </p:cNvSpPr>
@@ -3219,7 +3219,7 @@
       </p:sp>
       <p:sp>
         <p:nvSpPr>
-          <p:cNvPr id="891579492" name="Slide Number Placeholder 6"/>
+          <p:cNvPr id="1437668290" name="Slide Number Placeholder 6"/>
           <p:cNvSpPr>
             <a:spLocks noGrp="1"/>
           </p:cNvSpPr>
@@ -3275,7 +3275,7 @@
       </p:grpSpPr>
       <p:sp>
         <p:nvSpPr>
-          <p:cNvPr id="672613144" name="Title Placeholder 1"/>
+          <p:cNvPr id="940027354" name="Title Placeholder 1"/>
           <p:cNvSpPr>
             <a:spLocks noGrp="1"/>
           </p:cNvSpPr>
@@ -3285,7 +3285,7 @@
         </p:nvSpPr>
         <p:spPr bwMode="auto">
           <a:xfrm>
-            <a:off x="838199" y="365125"/>
+            <a:off x="838198" y="365125"/>
             <a:ext cx="10515600" cy="1325562"/>
           </a:xfrm>
           <a:prstGeom prst="rect">
@@ -3311,7 +3311,7 @@
       </p:sp>
       <p:sp>
         <p:nvSpPr>
-          <p:cNvPr id="687557432" name="Text Placeholder 2"/>
+          <p:cNvPr id="1486726120" name="Text Placeholder 2"/>
           <p:cNvSpPr>
             <a:spLocks noGrp="1"/>
           </p:cNvSpPr>
@@ -3321,7 +3321,7 @@
         </p:nvSpPr>
         <p:spPr bwMode="auto">
           <a:xfrm>
-            <a:off x="838199" y="1825625"/>
+            <a:off x="838198" y="1825625"/>
             <a:ext cx="10515600" cy="4351338"/>
           </a:xfrm>
           <a:prstGeom prst="rect">
@@ -3387,7 +3387,7 @@
       </p:sp>
       <p:sp>
         <p:nvSpPr>
-          <p:cNvPr id="1382878065" name="Date Placeholder 3"/>
+          <p:cNvPr id="1948643681" name="Date Placeholder 3"/>
           <p:cNvSpPr>
             <a:spLocks noGrp="1"/>
           </p:cNvSpPr>
@@ -3397,7 +3397,7 @@
         </p:nvSpPr>
         <p:spPr bwMode="auto">
           <a:xfrm>
-            <a:off x="838199" y="6356350"/>
+            <a:off x="838198" y="6356350"/>
             <a:ext cx="2743200" cy="365125"/>
           </a:xfrm>
           <a:prstGeom prst="rect">
@@ -3431,7 +3431,7 @@
       </p:sp>
       <p:sp>
         <p:nvSpPr>
-          <p:cNvPr id="713957352" name="Footer Placeholder 4"/>
+          <p:cNvPr id="930977209" name="Footer Placeholder 4"/>
           <p:cNvSpPr>
             <a:spLocks noGrp="1"/>
           </p:cNvSpPr>
@@ -3441,7 +3441,7 @@
         </p:nvSpPr>
         <p:spPr bwMode="auto">
           <a:xfrm>
-            <a:off x="4038599" y="6356350"/>
+            <a:off x="4038598" y="6356350"/>
             <a:ext cx="4114800" cy="365125"/>
           </a:xfrm>
           <a:prstGeom prst="rect">
@@ -3471,7 +3471,7 @@
       </p:sp>
       <p:sp>
         <p:nvSpPr>
-          <p:cNvPr id="2121351769" name="Slide Number Placeholder 5"/>
+          <p:cNvPr id="856506919" name="Slide Number Placeholder 5"/>
           <p:cNvSpPr>
             <a:spLocks noGrp="1"/>
           </p:cNvSpPr>
@@ -3831,7 +3831,7 @@
       </p:grpSpPr>
       <p:sp>
         <p:nvSpPr>
-          <p:cNvPr id="841425266" name="Title 1"/>
+          <p:cNvPr id="337201875" name="Title 1"/>
           <p:cNvSpPr>
             <a:spLocks noGrp="1"/>
           </p:cNvSpPr>
@@ -3878,7 +3878,7 @@
       </p:sp>
       <p:sp>
         <p:nvSpPr>
-          <p:cNvPr id="387282913" name="Subtitle 2"/>
+          <p:cNvPr id="2146570677" name="Subtitle 2"/>
           <p:cNvSpPr>
             <a:spLocks noGrp="1"/>
           </p:cNvSpPr>
@@ -3889,7 +3889,7 @@
         <p:spPr bwMode="auto">
           <a:xfrm>
             <a:off x="2735626" y="6162260"/>
-            <a:ext cx="6720746" cy="720079"/>
+            <a:ext cx="6720745" cy="720079"/>
           </a:xfrm>
         </p:spPr>
         <p:txBody>
@@ -3921,7 +3921,7 @@
       </p:sp>
       <p:pic>
         <p:nvPicPr>
-          <p:cNvPr id="718589940" name=""/>
+          <p:cNvPr id="543866402" name=""/>
           <p:cNvPicPr>
             <a:picLocks noChangeAspect="1"/>
           </p:cNvPicPr>
@@ -3976,7 +3976,7 @@
       </p:grpSpPr>
       <p:sp>
         <p:nvSpPr>
-          <p:cNvPr id="1188614207" name="Title 1"/>
+          <p:cNvPr id="424863707" name="Title 1"/>
           <p:cNvSpPr>
             <a:spLocks noGrp="1"/>
           </p:cNvSpPr>
@@ -4010,7 +4010,7 @@
       </p:sp>
       <p:sp>
         <p:nvSpPr>
-          <p:cNvPr id="112757668" name="Content Placeholder 2"/>
+          <p:cNvPr id="1991945143" name="Content Placeholder 2"/>
           <p:cNvSpPr>
             <a:spLocks noGrp="1"/>
           </p:cNvSpPr>
@@ -4018,7 +4018,12 @@
             <p:ph idx="1"/>
           </p:nvPr>
         </p:nvSpPr>
-        <p:spPr bwMode="auto"/>
+        <p:spPr bwMode="auto">
+          <a:xfrm>
+            <a:off x="838198" y="1825624"/>
+            <a:ext cx="10515600" cy="4351338"/>
+          </a:xfrm>
+        </p:spPr>
         <p:txBody>
           <a:bodyPr/>
           <a:lstStyle/>
@@ -4111,7 +4116,7 @@
       </p:grpSpPr>
       <p:pic>
         <p:nvPicPr>
-          <p:cNvPr id="1091594821" name=""/>
+          <p:cNvPr id="2018004915" name=""/>
           <p:cNvPicPr>
             <a:picLocks noChangeAspect="1"/>
           </p:cNvPicPr>
@@ -4124,7 +4129,7 @@
         <p:spPr bwMode="auto">
           <a:xfrm flipH="0" flipV="0">
             <a:off x="5428754" y="116681"/>
-            <a:ext cx="6712445" cy="6624637"/>
+            <a:ext cx="6712445" cy="6624636"/>
           </a:xfrm>
           <a:prstGeom prst="rect">
             <a:avLst/>
@@ -4133,7 +4138,7 @@
       </p:pic>
       <p:sp>
         <p:nvSpPr>
-          <p:cNvPr id="951585354" name="Content Placeholder 2"/>
+          <p:cNvPr id="827824428" name="Content Placeholder 2"/>
           <p:cNvSpPr>
             <a:spLocks noGrp="1"/>
           </p:cNvSpPr>
@@ -4215,6 +4220,45 @@
               <a:t> used to pass availability info along</a:t>
             </a:r>
             <a:endParaRPr/>
+          </a:p>
+        </p:txBody>
+      </p:sp>
+      <p:sp>
+        <p:nvSpPr>
+          <p:cNvPr id="1594256393" name="Title 1"/>
+          <p:cNvSpPr>
+            <a:spLocks noGrp="1"/>
+          </p:cNvSpPr>
+          <p:nvPr>
+            <p:ph type="title"/>
+          </p:nvPr>
+        </p:nvSpPr>
+        <p:spPr bwMode="auto">
+          <a:xfrm>
+            <a:off x="588753" y="365124"/>
+            <a:ext cx="10515600" cy="1325561"/>
+          </a:xfrm>
+        </p:spPr>
+        <p:txBody>
+          <a:bodyPr/>
+          <a:lstStyle/>
+          <a:p>
+            <a:pPr>
+              <a:defRPr/>
+            </a:pPr>
+            <a:r>
+              <a:rPr sz="4800">
+                <a:solidFill>
+                  <a:schemeClr val="accent3"/>
+                </a:solidFill>
+              </a:rPr>
+              <a:t>Implementation</a:t>
+            </a:r>
+            <a:endParaRPr sz="4800">
+              <a:solidFill>
+                <a:schemeClr val="accent3"/>
+              </a:solidFill>
+            </a:endParaRPr>
           </a:p>
         </p:txBody>
       </p:sp>

--- a/slides.pptx
+++ b/slides.pptx
@@ -136,7 +136,7 @@
       </p:grpSpPr>
       <p:sp>
         <p:nvSpPr>
-          <p:cNvPr id="1762277786" name="Header Placeholder 1"/>
+          <p:cNvPr id="896668550" name="Header Placeholder 1"/>
           <p:cNvSpPr>
             <a:spLocks noGrp="1"/>
           </p:cNvSpPr>
@@ -170,7 +170,7 @@
       </p:sp>
       <p:sp>
         <p:nvSpPr>
-          <p:cNvPr id="1124581510" name="Date Placeholder 2"/>
+          <p:cNvPr id="42627768" name="Date Placeholder 2"/>
           <p:cNvSpPr>
             <a:spLocks noGrp="1"/>
           </p:cNvSpPr>
@@ -208,7 +208,7 @@
       </p:sp>
       <p:sp>
         <p:nvSpPr>
-          <p:cNvPr id="931906059" name="Slide Image Placeholder 3"/>
+          <p:cNvPr id="1688734440" name="Slide Image Placeholder 3"/>
           <p:cNvSpPr>
             <a:spLocks noChangeAspect="1" noGrp="1" noRot="1"/>
           </p:cNvSpPr>
@@ -244,7 +244,7 @@
       </p:sp>
       <p:sp>
         <p:nvSpPr>
-          <p:cNvPr id="1349694505" name="Notes Placeholder 4"/>
+          <p:cNvPr id="1734887231" name="Notes Placeholder 4"/>
           <p:cNvSpPr>
             <a:spLocks noGrp="1"/>
           </p:cNvSpPr>
@@ -318,7 +318,7 @@
       </p:sp>
       <p:sp>
         <p:nvSpPr>
-          <p:cNvPr id="1447537443" name="Footer Placeholder 5"/>
+          <p:cNvPr id="490317439" name="Footer Placeholder 5"/>
           <p:cNvSpPr>
             <a:spLocks noGrp="1"/>
           </p:cNvSpPr>
@@ -352,7 +352,7 @@
       </p:sp>
       <p:sp>
         <p:nvSpPr>
-          <p:cNvPr id="1371544824" name="Slide Number Placeholder 6"/>
+          <p:cNvPr id="1609933195" name="Slide Number Placeholder 6"/>
           <p:cNvSpPr>
             <a:spLocks noGrp="1"/>
           </p:cNvSpPr>
@@ -505,7 +505,7 @@
       </p:grpSpPr>
       <p:sp>
         <p:nvSpPr>
-          <p:cNvPr id="152670928" name="Slide Image Placeholder 1"/>
+          <p:cNvPr id="1150377861" name="Slide Image Placeholder 1"/>
           <p:cNvSpPr>
             <a:spLocks noChangeAspect="1" noGrp="1" noRot="1"/>
           </p:cNvSpPr>
@@ -522,7 +522,7 @@
       </p:sp>
       <p:sp>
         <p:nvSpPr>
-          <p:cNvPr id="957491956" name="Notes Placeholder 2"/>
+          <p:cNvPr id="1977266193" name="Notes Placeholder 2"/>
           <p:cNvSpPr>
             <a:spLocks noGrp="1"/>
           </p:cNvSpPr>
@@ -547,7 +547,7 @@
       </p:sp>
       <p:sp>
         <p:nvSpPr>
-          <p:cNvPr id="246613450" name="Slide Number Placeholder 3"/>
+          <p:cNvPr id="781349570" name="Slide Number Placeholder 3"/>
           <p:cNvSpPr>
             <a:spLocks noGrp="1"/>
           </p:cNvSpPr>
@@ -595,7 +595,7 @@
       </p:grpSpPr>
       <p:sp>
         <p:nvSpPr>
-          <p:cNvPr id="1769817557" name="Slide Image Placeholder 1"/>
+          <p:cNvPr id="362341168" name="Slide Image Placeholder 1"/>
           <p:cNvSpPr>
             <a:spLocks noChangeAspect="1" noGrp="1" noRot="1"/>
           </p:cNvSpPr>
@@ -607,7 +607,7 @@
       </p:sp>
       <p:sp>
         <p:nvSpPr>
-          <p:cNvPr id="2122378921" name="Notes Placeholder 2"/>
+          <p:cNvPr id="604111197" name="Notes Placeholder 2"/>
           <p:cNvSpPr>
             <a:spLocks noGrp="1"/>
           </p:cNvSpPr>
@@ -629,7 +629,7 @@
       </p:sp>
       <p:sp>
         <p:nvSpPr>
-          <p:cNvPr id="580276922" name="Slide Number Placeholder 3"/>
+          <p:cNvPr id="1890900331" name="Slide Number Placeholder 3"/>
           <p:cNvSpPr>
             <a:spLocks noGrp="1"/>
           </p:cNvSpPr>
@@ -677,7 +677,7 @@
       </p:grpSpPr>
       <p:sp>
         <p:nvSpPr>
-          <p:cNvPr id="482148645" name="Slide Image Placeholder 1"/>
+          <p:cNvPr id="1501760671" name="Slide Image Placeholder 1"/>
           <p:cNvSpPr>
             <a:spLocks noChangeAspect="1" noGrp="1" noRot="1"/>
           </p:cNvSpPr>
@@ -689,7 +689,7 @@
       </p:sp>
       <p:sp>
         <p:nvSpPr>
-          <p:cNvPr id="179005431" name="Notes Placeholder 2"/>
+          <p:cNvPr id="985561862" name="Notes Placeholder 2"/>
           <p:cNvSpPr>
             <a:spLocks noGrp="1"/>
           </p:cNvSpPr>
@@ -711,7 +711,7 @@
       </p:sp>
       <p:sp>
         <p:nvSpPr>
-          <p:cNvPr id="1968733317" name="Slide Number Placeholder 3"/>
+          <p:cNvPr id="1488618839" name="Slide Number Placeholder 3"/>
           <p:cNvSpPr>
             <a:spLocks noGrp="1"/>
           </p:cNvSpPr>
@@ -759,7 +759,7 @@
       </p:grpSpPr>
       <p:sp>
         <p:nvSpPr>
-          <p:cNvPr id="663557150" name="Title 1"/>
+          <p:cNvPr id="1449290134" name="Title 1"/>
           <p:cNvSpPr>
             <a:spLocks noGrp="1"/>
           </p:cNvSpPr>
@@ -794,7 +794,7 @@
       </p:sp>
       <p:sp>
         <p:nvSpPr>
-          <p:cNvPr id="1661742845" name="Subtitle 2"/>
+          <p:cNvPr id="652623653" name="Subtitle 2"/>
           <p:cNvSpPr>
             <a:spLocks noGrp="1"/>
           </p:cNvSpPr>
@@ -862,7 +862,7 @@
       </p:sp>
       <p:sp>
         <p:nvSpPr>
-          <p:cNvPr id="835029721" name="Date Placeholder 3"/>
+          <p:cNvPr id="1443264577" name="Date Placeholder 3"/>
           <p:cNvSpPr>
             <a:spLocks noGrp="1"/>
           </p:cNvSpPr>
@@ -888,7 +888,7 @@
       </p:sp>
       <p:sp>
         <p:nvSpPr>
-          <p:cNvPr id="1140568777" name="Footer Placeholder 4"/>
+          <p:cNvPr id="695774337" name="Footer Placeholder 4"/>
           <p:cNvSpPr>
             <a:spLocks noGrp="1"/>
           </p:cNvSpPr>
@@ -910,7 +910,7 @@
       </p:sp>
       <p:sp>
         <p:nvSpPr>
-          <p:cNvPr id="862323274" name="Slide Number Placeholder 5"/>
+          <p:cNvPr id="1640640690" name="Slide Number Placeholder 5"/>
           <p:cNvSpPr>
             <a:spLocks noGrp="1"/>
           </p:cNvSpPr>
@@ -961,7 +961,7 @@
       </p:grpSpPr>
       <p:sp>
         <p:nvSpPr>
-          <p:cNvPr id="1175994787" name="Title 1"/>
+          <p:cNvPr id="1567146228" name="Title 1"/>
           <p:cNvSpPr>
             <a:spLocks noGrp="1"/>
           </p:cNvSpPr>
@@ -987,7 +987,7 @@
       </p:sp>
       <p:sp>
         <p:nvSpPr>
-          <p:cNvPr id="586698435" name="Vertical Text Placeholder 2"/>
+          <p:cNvPr id="2093057682" name="Vertical Text Placeholder 2"/>
           <p:cNvSpPr>
             <a:spLocks noGrp="1"/>
           </p:cNvSpPr>
@@ -1053,7 +1053,7 @@
       </p:sp>
       <p:sp>
         <p:nvSpPr>
-          <p:cNvPr id="1167217911" name="Date Placeholder 3"/>
+          <p:cNvPr id="1160230765" name="Date Placeholder 3"/>
           <p:cNvSpPr>
             <a:spLocks noGrp="1"/>
           </p:cNvSpPr>
@@ -1079,7 +1079,7 @@
       </p:sp>
       <p:sp>
         <p:nvSpPr>
-          <p:cNvPr id="203176990" name="Footer Placeholder 4"/>
+          <p:cNvPr id="961362912" name="Footer Placeholder 4"/>
           <p:cNvSpPr>
             <a:spLocks noGrp="1"/>
           </p:cNvSpPr>
@@ -1101,7 +1101,7 @@
       </p:sp>
       <p:sp>
         <p:nvSpPr>
-          <p:cNvPr id="338654574" name="Slide Number Placeholder 5"/>
+          <p:cNvPr id="641965749" name="Slide Number Placeholder 5"/>
           <p:cNvSpPr>
             <a:spLocks noGrp="1"/>
           </p:cNvSpPr>
@@ -1152,7 +1152,7 @@
       </p:grpSpPr>
       <p:sp>
         <p:nvSpPr>
-          <p:cNvPr id="373912854" name="Vertical Title 1"/>
+          <p:cNvPr id="442637441" name="Vertical Title 1"/>
           <p:cNvSpPr>
             <a:spLocks noGrp="1"/>
           </p:cNvSpPr>
@@ -1183,7 +1183,7 @@
       </p:sp>
       <p:sp>
         <p:nvSpPr>
-          <p:cNvPr id="1655773861" name="Vertical Text Placeholder 2"/>
+          <p:cNvPr id="114921953" name="Vertical Text Placeholder 2"/>
           <p:cNvSpPr>
             <a:spLocks noGrp="1"/>
           </p:cNvSpPr>
@@ -1254,7 +1254,7 @@
       </p:sp>
       <p:sp>
         <p:nvSpPr>
-          <p:cNvPr id="492977908" name="Date Placeholder 3"/>
+          <p:cNvPr id="198865516" name="Date Placeholder 3"/>
           <p:cNvSpPr>
             <a:spLocks noGrp="1"/>
           </p:cNvSpPr>
@@ -1280,7 +1280,7 @@
       </p:sp>
       <p:sp>
         <p:nvSpPr>
-          <p:cNvPr id="1005387493" name="Footer Placeholder 4"/>
+          <p:cNvPr id="179720617" name="Footer Placeholder 4"/>
           <p:cNvSpPr>
             <a:spLocks noGrp="1"/>
           </p:cNvSpPr>
@@ -1302,7 +1302,7 @@
       </p:sp>
       <p:sp>
         <p:nvSpPr>
-          <p:cNvPr id="1113824675" name="Slide Number Placeholder 5"/>
+          <p:cNvPr id="1837828939" name="Slide Number Placeholder 5"/>
           <p:cNvSpPr>
             <a:spLocks noGrp="1"/>
           </p:cNvSpPr>
@@ -1353,7 +1353,7 @@
       </p:grpSpPr>
       <p:sp>
         <p:nvSpPr>
-          <p:cNvPr id="1707835989" name="Title 1"/>
+          <p:cNvPr id="1623011451" name="Title 1"/>
           <p:cNvSpPr>
             <a:spLocks noGrp="1"/>
           </p:cNvSpPr>
@@ -1379,7 +1379,7 @@
       </p:sp>
       <p:sp>
         <p:nvSpPr>
-          <p:cNvPr id="1897502623" name="Content Placeholder 2"/>
+          <p:cNvPr id="1638708042" name="Content Placeholder 2"/>
           <p:cNvSpPr>
             <a:spLocks noGrp="1"/>
           </p:cNvSpPr>
@@ -1445,7 +1445,7 @@
       </p:sp>
       <p:sp>
         <p:nvSpPr>
-          <p:cNvPr id="2133856218" name="Date Placeholder 3"/>
+          <p:cNvPr id="1737507405" name="Date Placeholder 3"/>
           <p:cNvSpPr>
             <a:spLocks noGrp="1"/>
           </p:cNvSpPr>
@@ -1471,7 +1471,7 @@
       </p:sp>
       <p:sp>
         <p:nvSpPr>
-          <p:cNvPr id="1300559905" name="Footer Placeholder 4"/>
+          <p:cNvPr id="732788216" name="Footer Placeholder 4"/>
           <p:cNvSpPr>
             <a:spLocks noGrp="1"/>
           </p:cNvSpPr>
@@ -1493,7 +1493,7 @@
       </p:sp>
       <p:sp>
         <p:nvSpPr>
-          <p:cNvPr id="1281832752" name="Slide Number Placeholder 5"/>
+          <p:cNvPr id="510188114" name="Slide Number Placeholder 5"/>
           <p:cNvSpPr>
             <a:spLocks noGrp="1"/>
           </p:cNvSpPr>
@@ -1544,7 +1544,7 @@
       </p:grpSpPr>
       <p:sp>
         <p:nvSpPr>
-          <p:cNvPr id="1515750644" name="Title 1"/>
+          <p:cNvPr id="76453601" name="Title 1"/>
           <p:cNvSpPr>
             <a:spLocks noGrp="1"/>
           </p:cNvSpPr>
@@ -1579,7 +1579,7 @@
       </p:sp>
       <p:sp>
         <p:nvSpPr>
-          <p:cNvPr id="1192017657" name="Text Placeholder 2"/>
+          <p:cNvPr id="2092489565" name="Text Placeholder 2"/>
           <p:cNvSpPr>
             <a:spLocks noGrp="1"/>
           </p:cNvSpPr>
@@ -1701,7 +1701,7 @@
       </p:sp>
       <p:sp>
         <p:nvSpPr>
-          <p:cNvPr id="419345968" name="Date Placeholder 3"/>
+          <p:cNvPr id="1058767871" name="Date Placeholder 3"/>
           <p:cNvSpPr>
             <a:spLocks noGrp="1"/>
           </p:cNvSpPr>
@@ -1727,7 +1727,7 @@
       </p:sp>
       <p:sp>
         <p:nvSpPr>
-          <p:cNvPr id="1168805609" name="Footer Placeholder 4"/>
+          <p:cNvPr id="68398331" name="Footer Placeholder 4"/>
           <p:cNvSpPr>
             <a:spLocks noGrp="1"/>
           </p:cNvSpPr>
@@ -1749,7 +1749,7 @@
       </p:sp>
       <p:sp>
         <p:nvSpPr>
-          <p:cNvPr id="583658964" name="Slide Number Placeholder 5"/>
+          <p:cNvPr id="1601697574" name="Slide Number Placeholder 5"/>
           <p:cNvSpPr>
             <a:spLocks noGrp="1"/>
           </p:cNvSpPr>
@@ -1800,7 +1800,7 @@
       </p:grpSpPr>
       <p:sp>
         <p:nvSpPr>
-          <p:cNvPr id="1057703319" name="Title 1"/>
+          <p:cNvPr id="990723944" name="Title 1"/>
           <p:cNvSpPr>
             <a:spLocks noGrp="1"/>
           </p:cNvSpPr>
@@ -1826,7 +1826,7 @@
       </p:sp>
       <p:sp>
         <p:nvSpPr>
-          <p:cNvPr id="957548935" name="Content Placeholder 2"/>
+          <p:cNvPr id="2016279378" name="Content Placeholder 2"/>
           <p:cNvSpPr>
             <a:spLocks noGrp="1"/>
           </p:cNvSpPr>
@@ -1897,7 +1897,7 @@
       </p:sp>
       <p:sp>
         <p:nvSpPr>
-          <p:cNvPr id="837690308" name="Content Placeholder 3"/>
+          <p:cNvPr id="1184403697" name="Content Placeholder 3"/>
           <p:cNvSpPr>
             <a:spLocks noGrp="1"/>
           </p:cNvSpPr>
@@ -1968,7 +1968,7 @@
       </p:sp>
       <p:sp>
         <p:nvSpPr>
-          <p:cNvPr id="640994530" name="Date Placeholder 4"/>
+          <p:cNvPr id="1103863680" name="Date Placeholder 4"/>
           <p:cNvSpPr>
             <a:spLocks noGrp="1"/>
           </p:cNvSpPr>
@@ -1994,7 +1994,7 @@
       </p:sp>
       <p:sp>
         <p:nvSpPr>
-          <p:cNvPr id="908621956" name="Footer Placeholder 5"/>
+          <p:cNvPr id="1176964869" name="Footer Placeholder 5"/>
           <p:cNvSpPr>
             <a:spLocks noGrp="1"/>
           </p:cNvSpPr>
@@ -2016,7 +2016,7 @@
       </p:sp>
       <p:sp>
         <p:nvSpPr>
-          <p:cNvPr id="2015786357" name="Slide Number Placeholder 6"/>
+          <p:cNvPr id="1882269880" name="Slide Number Placeholder 6"/>
           <p:cNvSpPr>
             <a:spLocks noGrp="1"/>
           </p:cNvSpPr>
@@ -2067,7 +2067,7 @@
       </p:grpSpPr>
       <p:sp>
         <p:nvSpPr>
-          <p:cNvPr id="1579186124" name="Title 1"/>
+          <p:cNvPr id="666501651" name="Title 1"/>
           <p:cNvSpPr>
             <a:spLocks noGrp="1"/>
           </p:cNvSpPr>
@@ -2098,7 +2098,7 @@
       </p:sp>
       <p:sp>
         <p:nvSpPr>
-          <p:cNvPr id="2078074332" name="Text Placeholder 2"/>
+          <p:cNvPr id="1880243793" name="Text Placeholder 2"/>
           <p:cNvSpPr>
             <a:spLocks noGrp="1"/>
           </p:cNvSpPr>
@@ -2166,7 +2166,7 @@
       </p:sp>
       <p:sp>
         <p:nvSpPr>
-          <p:cNvPr id="58354007" name="Content Placeholder 3"/>
+          <p:cNvPr id="2133711621" name="Content Placeholder 3"/>
           <p:cNvSpPr>
             <a:spLocks noGrp="1"/>
           </p:cNvSpPr>
@@ -2237,7 +2237,7 @@
       </p:sp>
       <p:sp>
         <p:nvSpPr>
-          <p:cNvPr id="1511999394" name="Text Placeholder 4"/>
+          <p:cNvPr id="1621826189" name="Text Placeholder 4"/>
           <p:cNvSpPr>
             <a:spLocks noGrp="1"/>
           </p:cNvSpPr>
@@ -2305,7 +2305,7 @@
       </p:sp>
       <p:sp>
         <p:nvSpPr>
-          <p:cNvPr id="520730992" name="Content Placeholder 5"/>
+          <p:cNvPr id="484436297" name="Content Placeholder 5"/>
           <p:cNvSpPr>
             <a:spLocks noGrp="1"/>
           </p:cNvSpPr>
@@ -2376,7 +2376,7 @@
       </p:sp>
       <p:sp>
         <p:nvSpPr>
-          <p:cNvPr id="1215958070" name="Date Placeholder 6"/>
+          <p:cNvPr id="628485939" name="Date Placeholder 6"/>
           <p:cNvSpPr>
             <a:spLocks noGrp="1"/>
           </p:cNvSpPr>
@@ -2402,7 +2402,7 @@
       </p:sp>
       <p:sp>
         <p:nvSpPr>
-          <p:cNvPr id="1969959586" name="Footer Placeholder 7"/>
+          <p:cNvPr id="1853171128" name="Footer Placeholder 7"/>
           <p:cNvSpPr>
             <a:spLocks noGrp="1"/>
           </p:cNvSpPr>
@@ -2424,7 +2424,7 @@
       </p:sp>
       <p:sp>
         <p:nvSpPr>
-          <p:cNvPr id="418459733" name="Slide Number Placeholder 8"/>
+          <p:cNvPr id="1849212057" name="Slide Number Placeholder 8"/>
           <p:cNvSpPr>
             <a:spLocks noGrp="1"/>
           </p:cNvSpPr>
@@ -2475,7 +2475,7 @@
       </p:grpSpPr>
       <p:sp>
         <p:nvSpPr>
-          <p:cNvPr id="640065972" name="Title 1"/>
+          <p:cNvPr id="744261156" name="Title 1"/>
           <p:cNvSpPr>
             <a:spLocks noGrp="1"/>
           </p:cNvSpPr>
@@ -2501,7 +2501,7 @@
       </p:sp>
       <p:sp>
         <p:nvSpPr>
-          <p:cNvPr id="1798080493" name="Date Placeholder 2"/>
+          <p:cNvPr id="520206917" name="Date Placeholder 2"/>
           <p:cNvSpPr>
             <a:spLocks noGrp="1"/>
           </p:cNvSpPr>
@@ -2527,7 +2527,7 @@
       </p:sp>
       <p:sp>
         <p:nvSpPr>
-          <p:cNvPr id="256296868" name="Footer Placeholder 3"/>
+          <p:cNvPr id="512528603" name="Footer Placeholder 3"/>
           <p:cNvSpPr>
             <a:spLocks noGrp="1"/>
           </p:cNvSpPr>
@@ -2549,7 +2549,7 @@
       </p:sp>
       <p:sp>
         <p:nvSpPr>
-          <p:cNvPr id="1659734132" name="Slide Number Placeholder 4"/>
+          <p:cNvPr id="1775156005" name="Slide Number Placeholder 4"/>
           <p:cNvSpPr>
             <a:spLocks noGrp="1"/>
           </p:cNvSpPr>
@@ -2600,7 +2600,7 @@
       </p:grpSpPr>
       <p:sp>
         <p:nvSpPr>
-          <p:cNvPr id="90470717" name="Date Placeholder 1"/>
+          <p:cNvPr id="327245821" name="Date Placeholder 1"/>
           <p:cNvSpPr>
             <a:spLocks noGrp="1"/>
           </p:cNvSpPr>
@@ -2626,7 +2626,7 @@
       </p:sp>
       <p:sp>
         <p:nvSpPr>
-          <p:cNvPr id="701004856" name="Footer Placeholder 2"/>
+          <p:cNvPr id="87585585" name="Footer Placeholder 2"/>
           <p:cNvSpPr>
             <a:spLocks noGrp="1"/>
           </p:cNvSpPr>
@@ -2648,7 +2648,7 @@
       </p:sp>
       <p:sp>
         <p:nvSpPr>
-          <p:cNvPr id="2067682235" name="Slide Number Placeholder 3"/>
+          <p:cNvPr id="1289951836" name="Slide Number Placeholder 3"/>
           <p:cNvSpPr>
             <a:spLocks noGrp="1"/>
           </p:cNvSpPr>
@@ -2699,7 +2699,7 @@
       </p:grpSpPr>
       <p:sp>
         <p:nvSpPr>
-          <p:cNvPr id="707356553" name="Title 1"/>
+          <p:cNvPr id="381254283" name="Title 1"/>
           <p:cNvSpPr>
             <a:spLocks noGrp="1"/>
           </p:cNvSpPr>
@@ -2734,7 +2734,7 @@
       </p:sp>
       <p:sp>
         <p:nvSpPr>
-          <p:cNvPr id="536472928" name="Content Placeholder 2"/>
+          <p:cNvPr id="1626741360" name="Content Placeholder 2"/>
           <p:cNvSpPr>
             <a:spLocks noGrp="1"/>
           </p:cNvSpPr>
@@ -2833,7 +2833,7 @@
       </p:sp>
       <p:sp>
         <p:nvSpPr>
-          <p:cNvPr id="318404598" name="Text Placeholder 3"/>
+          <p:cNvPr id="2028608546" name="Text Placeholder 3"/>
           <p:cNvSpPr>
             <a:spLocks noGrp="1"/>
           </p:cNvSpPr>
@@ -2901,7 +2901,7 @@
       </p:sp>
       <p:sp>
         <p:nvSpPr>
-          <p:cNvPr id="1131047981" name="Date Placeholder 4"/>
+          <p:cNvPr id="1817581135" name="Date Placeholder 4"/>
           <p:cNvSpPr>
             <a:spLocks noGrp="1"/>
           </p:cNvSpPr>
@@ -2927,7 +2927,7 @@
       </p:sp>
       <p:sp>
         <p:nvSpPr>
-          <p:cNvPr id="595887910" name="Footer Placeholder 5"/>
+          <p:cNvPr id="1808137631" name="Footer Placeholder 5"/>
           <p:cNvSpPr>
             <a:spLocks noGrp="1"/>
           </p:cNvSpPr>
@@ -2949,7 +2949,7 @@
       </p:sp>
       <p:sp>
         <p:nvSpPr>
-          <p:cNvPr id="2027021852" name="Slide Number Placeholder 6"/>
+          <p:cNvPr id="1817572054" name="Slide Number Placeholder 6"/>
           <p:cNvSpPr>
             <a:spLocks noGrp="1"/>
           </p:cNvSpPr>
@@ -3000,7 +3000,7 @@
       </p:grpSpPr>
       <p:sp>
         <p:nvSpPr>
-          <p:cNvPr id="488888785" name="Title 1"/>
+          <p:cNvPr id="1252119420" name="Title 1"/>
           <p:cNvSpPr>
             <a:spLocks noGrp="1"/>
           </p:cNvSpPr>
@@ -3035,7 +3035,7 @@
       </p:sp>
       <p:sp>
         <p:nvSpPr>
-          <p:cNvPr id="563244859" name="Picture Placeholder 2"/>
+          <p:cNvPr id="1228620754" name="Picture Placeholder 2"/>
           <p:cNvSpPr>
             <a:spLocks noChangeAspect="1" noGrp="1"/>
           </p:cNvSpPr>
@@ -3103,7 +3103,7 @@
       </p:sp>
       <p:sp>
         <p:nvSpPr>
-          <p:cNvPr id="1109690848" name="Text Placeholder 3"/>
+          <p:cNvPr id="439828726" name="Text Placeholder 3"/>
           <p:cNvSpPr>
             <a:spLocks noGrp="1"/>
           </p:cNvSpPr>
@@ -3171,7 +3171,7 @@
       </p:sp>
       <p:sp>
         <p:nvSpPr>
-          <p:cNvPr id="1383453130" name="Date Placeholder 4"/>
+          <p:cNvPr id="1558332912" name="Date Placeholder 4"/>
           <p:cNvSpPr>
             <a:spLocks noGrp="1"/>
           </p:cNvSpPr>
@@ -3197,7 +3197,7 @@
       </p:sp>
       <p:sp>
         <p:nvSpPr>
-          <p:cNvPr id="869492395" name="Footer Placeholder 5"/>
+          <p:cNvPr id="230517693" name="Footer Placeholder 5"/>
           <p:cNvSpPr>
             <a:spLocks noGrp="1"/>
           </p:cNvSpPr>
@@ -3219,7 +3219,7 @@
       </p:sp>
       <p:sp>
         <p:nvSpPr>
-          <p:cNvPr id="1437668290" name="Slide Number Placeholder 6"/>
+          <p:cNvPr id="1004559582" name="Slide Number Placeholder 6"/>
           <p:cNvSpPr>
             <a:spLocks noGrp="1"/>
           </p:cNvSpPr>
@@ -3275,7 +3275,7 @@
       </p:grpSpPr>
       <p:sp>
         <p:nvSpPr>
-          <p:cNvPr id="940027354" name="Title Placeholder 1"/>
+          <p:cNvPr id="895488017" name="Title Placeholder 1"/>
           <p:cNvSpPr>
             <a:spLocks noGrp="1"/>
           </p:cNvSpPr>
@@ -3311,7 +3311,7 @@
       </p:sp>
       <p:sp>
         <p:nvSpPr>
-          <p:cNvPr id="1486726120" name="Text Placeholder 2"/>
+          <p:cNvPr id="1931062904" name="Text Placeholder 2"/>
           <p:cNvSpPr>
             <a:spLocks noGrp="1"/>
           </p:cNvSpPr>
@@ -3387,7 +3387,7 @@
       </p:sp>
       <p:sp>
         <p:nvSpPr>
-          <p:cNvPr id="1948643681" name="Date Placeholder 3"/>
+          <p:cNvPr id="601997812" name="Date Placeholder 3"/>
           <p:cNvSpPr>
             <a:spLocks noGrp="1"/>
           </p:cNvSpPr>
@@ -3431,7 +3431,7 @@
       </p:sp>
       <p:sp>
         <p:nvSpPr>
-          <p:cNvPr id="930977209" name="Footer Placeholder 4"/>
+          <p:cNvPr id="1560952221" name="Footer Placeholder 4"/>
           <p:cNvSpPr>
             <a:spLocks noGrp="1"/>
           </p:cNvSpPr>
@@ -3471,7 +3471,7 @@
       </p:sp>
       <p:sp>
         <p:nvSpPr>
-          <p:cNvPr id="856506919" name="Slide Number Placeholder 5"/>
+          <p:cNvPr id="149633982" name="Slide Number Placeholder 5"/>
           <p:cNvSpPr>
             <a:spLocks noGrp="1"/>
           </p:cNvSpPr>
@@ -3831,7 +3831,7 @@
       </p:grpSpPr>
       <p:sp>
         <p:nvSpPr>
-          <p:cNvPr id="337201875" name="Title 1"/>
+          <p:cNvPr id="1295346419" name="Title 1"/>
           <p:cNvSpPr>
             <a:spLocks noGrp="1"/>
           </p:cNvSpPr>
@@ -3878,7 +3878,7 @@
       </p:sp>
       <p:sp>
         <p:nvSpPr>
-          <p:cNvPr id="2146570677" name="Subtitle 2"/>
+          <p:cNvPr id="1454762246" name="Subtitle 2"/>
           <p:cNvSpPr>
             <a:spLocks noGrp="1"/>
           </p:cNvSpPr>
@@ -3921,7 +3921,7 @@
       </p:sp>
       <p:pic>
         <p:nvPicPr>
-          <p:cNvPr id="543866402" name=""/>
+          <p:cNvPr id="393415082" name=""/>
           <p:cNvPicPr>
             <a:picLocks noChangeAspect="1"/>
           </p:cNvPicPr>
@@ -3976,7 +3976,7 @@
       </p:grpSpPr>
       <p:sp>
         <p:nvSpPr>
-          <p:cNvPr id="424863707" name="Title 1"/>
+          <p:cNvPr id="1233741300" name="Title 1"/>
           <p:cNvSpPr>
             <a:spLocks noGrp="1"/>
           </p:cNvSpPr>
@@ -4010,7 +4010,7 @@
       </p:sp>
       <p:sp>
         <p:nvSpPr>
-          <p:cNvPr id="1991945143" name="Content Placeholder 2"/>
+          <p:cNvPr id="1085033225" name="Content Placeholder 2"/>
           <p:cNvSpPr>
             <a:spLocks noGrp="1"/>
           </p:cNvSpPr>
@@ -4114,9 +4114,135 @@
           <a:chExt cx="0" cy="0"/>
         </a:xfrm>
       </p:grpSpPr>
+      <p:sp>
+        <p:nvSpPr>
+          <p:cNvPr id="1087882813" name="Content Placeholder 2"/>
+          <p:cNvSpPr>
+            <a:spLocks noGrp="1"/>
+          </p:cNvSpPr>
+          <p:nvPr>
+            <p:ph idx="1"/>
+          </p:nvPr>
+        </p:nvSpPr>
+        <p:spPr bwMode="auto">
+          <a:xfrm flipH="0" flipV="0">
+            <a:off x="588754" y="1253330"/>
+            <a:ext cx="4839999" cy="4351338"/>
+          </a:xfrm>
+        </p:spPr>
+        <p:txBody>
+          <a:bodyPr vertOverflow="overflow" horzOverflow="overflow" vert="horz" wrap="square" lIns="91440" tIns="45720" rIns="91440" bIns="45720" numCol="1" spcCol="0" rtlCol="0" fromWordArt="0" anchor="ctr" anchorCtr="0" forceAA="0" upright="0" compatLnSpc="0">
+            <a:normAutofit/>
+          </a:bodyPr>
+          <a:lstStyle/>
+          <a:p>
+            <a:pPr>
+              <a:defRPr/>
+            </a:pPr>
+            <a:r>
+              <a:rPr/>
+              <a:t>TDF Pipeline with </a:t>
+            </a:r>
+            <a:r>
+              <a:rPr b="1"/>
+              <a:t>unbounded parallelism</a:t>
+            </a:r>
+            <a:r>
+              <a:rPr/>
+              <a:t> in all blue blocks</a:t>
+            </a:r>
+            <a:endParaRPr/>
+          </a:p>
+          <a:p>
+            <a:pPr marL="0" indent="0">
+              <a:buFont typeface="Arial"/>
+              <a:buNone/>
+              <a:defRPr/>
+            </a:pPr>
+            <a:endParaRPr/>
+          </a:p>
+          <a:p>
+            <a:pPr>
+              <a:defRPr/>
+            </a:pPr>
+            <a:r>
+              <a:rPr b="1"/>
+              <a:t>IPAddressProvider</a:t>
+            </a:r>
+            <a:r>
+              <a:rPr/>
+              <a:t> that lets you get an IEnumerable of IP addresses</a:t>
+            </a:r>
+            <a:endParaRPr/>
+          </a:p>
+          <a:p>
+            <a:pPr>
+              <a:defRPr/>
+            </a:pPr>
+            <a:endParaRPr/>
+          </a:p>
+          <a:p>
+            <a:pPr>
+              <a:defRPr/>
+            </a:pPr>
+            <a:r>
+              <a:rPr b="1"/>
+              <a:t>IPAddress </a:t>
+            </a:r>
+            <a:r>
+              <a:rPr b="0"/>
+              <a:t>class</a:t>
+            </a:r>
+            <a:r>
+              <a:rPr/>
+              <a:t> used to pass availability info along</a:t>
+            </a:r>
+            <a:endParaRPr/>
+          </a:p>
+        </p:txBody>
+      </p:sp>
+      <p:sp>
+        <p:nvSpPr>
+          <p:cNvPr id="1594256393" name="Title 1"/>
+          <p:cNvSpPr>
+            <a:spLocks noGrp="1"/>
+          </p:cNvSpPr>
+          <p:nvPr>
+            <p:ph type="title"/>
+          </p:nvPr>
+        </p:nvSpPr>
+        <p:spPr bwMode="auto">
+          <a:xfrm>
+            <a:off x="588753" y="365124"/>
+            <a:ext cx="10515600" cy="1325561"/>
+          </a:xfrm>
+        </p:spPr>
+        <p:txBody>
+          <a:bodyPr/>
+          <a:lstStyle/>
+          <a:p>
+            <a:pPr>
+              <a:defRPr/>
+            </a:pPr>
+            <a:r>
+              <a:rPr sz="4800">
+                <a:solidFill>
+                  <a:schemeClr val="accent3"/>
+                </a:solidFill>
+              </a:rPr>
+              <a:t>Implementation</a:t>
+            </a:r>
+            <a:endParaRPr sz="4800">
+              <a:solidFill>
+                <a:schemeClr val="accent3"/>
+              </a:solidFill>
+            </a:endParaRPr>
+          </a:p>
+        </p:txBody>
+      </p:sp>
       <p:pic>
         <p:nvPicPr>
-          <p:cNvPr id="2018004915" name=""/>
+          <p:cNvPr id="1818604749" name=""/>
           <p:cNvPicPr>
             <a:picLocks noChangeAspect="1"/>
           </p:cNvPicPr>
@@ -4127,141 +4253,15 @@
           <a:stretch/>
         </p:blipFill>
         <p:spPr bwMode="auto">
-          <a:xfrm flipH="0" flipV="0">
-            <a:off x="5428754" y="116681"/>
-            <a:ext cx="6712445" cy="6624636"/>
+          <a:xfrm>
+            <a:off x="6398627" y="195262"/>
+            <a:ext cx="5476874" cy="6467474"/>
           </a:xfrm>
           <a:prstGeom prst="rect">
             <a:avLst/>
           </a:prstGeom>
         </p:spPr>
       </p:pic>
-      <p:sp>
-        <p:nvSpPr>
-          <p:cNvPr id="827824428" name="Content Placeholder 2"/>
-          <p:cNvSpPr>
-            <a:spLocks noGrp="1"/>
-          </p:cNvSpPr>
-          <p:nvPr>
-            <p:ph idx="1"/>
-          </p:nvPr>
-        </p:nvSpPr>
-        <p:spPr bwMode="auto">
-          <a:xfrm flipH="0" flipV="0">
-            <a:off x="588754" y="1253330"/>
-            <a:ext cx="4839999" cy="4351338"/>
-          </a:xfrm>
-        </p:spPr>
-        <p:txBody>
-          <a:bodyPr vertOverflow="overflow" horzOverflow="overflow" vert="horz" wrap="square" lIns="91440" tIns="45720" rIns="91440" bIns="45720" numCol="1" spcCol="0" rtlCol="0" fromWordArt="0" anchor="ctr" anchorCtr="0" forceAA="0" upright="0" compatLnSpc="0">
-            <a:normAutofit/>
-          </a:bodyPr>
-          <a:lstStyle/>
-          <a:p>
-            <a:pPr>
-              <a:defRPr/>
-            </a:pPr>
-            <a:r>
-              <a:rPr/>
-              <a:t>TDF Pipeline with </a:t>
-            </a:r>
-            <a:r>
-              <a:rPr b="1"/>
-              <a:t>unbounded parallelism</a:t>
-            </a:r>
-            <a:r>
-              <a:rPr/>
-              <a:t> in all blue blocks</a:t>
-            </a:r>
-            <a:endParaRPr/>
-          </a:p>
-          <a:p>
-            <a:pPr marL="0" indent="0">
-              <a:buFont typeface="Arial"/>
-              <a:buNone/>
-              <a:defRPr/>
-            </a:pPr>
-            <a:endParaRPr/>
-          </a:p>
-          <a:p>
-            <a:pPr>
-              <a:defRPr/>
-            </a:pPr>
-            <a:r>
-              <a:rPr b="1"/>
-              <a:t>IPAddressProvider</a:t>
-            </a:r>
-            <a:r>
-              <a:rPr/>
-              <a:t> that lets you get an IEnumerable of IP addresses</a:t>
-            </a:r>
-            <a:endParaRPr/>
-          </a:p>
-          <a:p>
-            <a:pPr>
-              <a:defRPr/>
-            </a:pPr>
-            <a:endParaRPr/>
-          </a:p>
-          <a:p>
-            <a:pPr>
-              <a:defRPr/>
-            </a:pPr>
-            <a:r>
-              <a:rPr b="1"/>
-              <a:t>IPAddressStatus </a:t>
-            </a:r>
-            <a:r>
-              <a:rPr b="0"/>
-              <a:t>class</a:t>
-            </a:r>
-            <a:r>
-              <a:rPr/>
-              <a:t> used to pass availability info along</a:t>
-            </a:r>
-            <a:endParaRPr/>
-          </a:p>
-        </p:txBody>
-      </p:sp>
-      <p:sp>
-        <p:nvSpPr>
-          <p:cNvPr id="1594256393" name="Title 1"/>
-          <p:cNvSpPr>
-            <a:spLocks noGrp="1"/>
-          </p:cNvSpPr>
-          <p:nvPr>
-            <p:ph type="title"/>
-          </p:nvPr>
-        </p:nvSpPr>
-        <p:spPr bwMode="auto">
-          <a:xfrm>
-            <a:off x="588753" y="365124"/>
-            <a:ext cx="10515600" cy="1325561"/>
-          </a:xfrm>
-        </p:spPr>
-        <p:txBody>
-          <a:bodyPr/>
-          <a:lstStyle/>
-          <a:p>
-            <a:pPr>
-              <a:defRPr/>
-            </a:pPr>
-            <a:r>
-              <a:rPr sz="4800">
-                <a:solidFill>
-                  <a:schemeClr val="accent3"/>
-                </a:solidFill>
-              </a:rPr>
-              <a:t>Implementation</a:t>
-            </a:r>
-            <a:endParaRPr sz="4800">
-              <a:solidFill>
-                <a:schemeClr val="accent3"/>
-              </a:solidFill>
-            </a:endParaRPr>
-          </a:p>
-        </p:txBody>
-      </p:sp>
     </p:spTree>
   </p:cSld>
   <p:clrMapOvr>

--- a/slides.pptx
+++ b/slides.pptx
@@ -136,7 +136,7 @@
       </p:grpSpPr>
       <p:sp>
         <p:nvSpPr>
-          <p:cNvPr id="896668550" name="Header Placeholder 1"/>
+          <p:cNvPr id="205265318" name="Header Placeholder 1"/>
           <p:cNvSpPr>
             <a:spLocks noGrp="1"/>
           </p:cNvSpPr>
@@ -170,7 +170,7 @@
       </p:sp>
       <p:sp>
         <p:nvSpPr>
-          <p:cNvPr id="42627768" name="Date Placeholder 2"/>
+          <p:cNvPr id="361746884" name="Date Placeholder 2"/>
           <p:cNvSpPr>
             <a:spLocks noGrp="1"/>
           </p:cNvSpPr>
@@ -208,7 +208,7 @@
       </p:sp>
       <p:sp>
         <p:nvSpPr>
-          <p:cNvPr id="1688734440" name="Slide Image Placeholder 3"/>
+          <p:cNvPr id="441411371" name="Slide Image Placeholder 3"/>
           <p:cNvSpPr>
             <a:spLocks noChangeAspect="1" noGrp="1" noRot="1"/>
           </p:cNvSpPr>
@@ -244,7 +244,7 @@
       </p:sp>
       <p:sp>
         <p:nvSpPr>
-          <p:cNvPr id="1734887231" name="Notes Placeholder 4"/>
+          <p:cNvPr id="339657025" name="Notes Placeholder 4"/>
           <p:cNvSpPr>
             <a:spLocks noGrp="1"/>
           </p:cNvSpPr>
@@ -318,7 +318,7 @@
       </p:sp>
       <p:sp>
         <p:nvSpPr>
-          <p:cNvPr id="490317439" name="Footer Placeholder 5"/>
+          <p:cNvPr id="1669314836" name="Footer Placeholder 5"/>
           <p:cNvSpPr>
             <a:spLocks noGrp="1"/>
           </p:cNvSpPr>
@@ -352,7 +352,7 @@
       </p:sp>
       <p:sp>
         <p:nvSpPr>
-          <p:cNvPr id="1609933195" name="Slide Number Placeholder 6"/>
+          <p:cNvPr id="679478538" name="Slide Number Placeholder 6"/>
           <p:cNvSpPr>
             <a:spLocks noGrp="1"/>
           </p:cNvSpPr>
@@ -505,7 +505,7 @@
       </p:grpSpPr>
       <p:sp>
         <p:nvSpPr>
-          <p:cNvPr id="1150377861" name="Slide Image Placeholder 1"/>
+          <p:cNvPr id="858249501" name="Slide Image Placeholder 1"/>
           <p:cNvSpPr>
             <a:spLocks noChangeAspect="1" noGrp="1" noRot="1"/>
           </p:cNvSpPr>
@@ -522,7 +522,7 @@
       </p:sp>
       <p:sp>
         <p:nvSpPr>
-          <p:cNvPr id="1977266193" name="Notes Placeholder 2"/>
+          <p:cNvPr id="1104103281" name="Notes Placeholder 2"/>
           <p:cNvSpPr>
             <a:spLocks noGrp="1"/>
           </p:cNvSpPr>
@@ -547,7 +547,7 @@
       </p:sp>
       <p:sp>
         <p:nvSpPr>
-          <p:cNvPr id="781349570" name="Slide Number Placeholder 3"/>
+          <p:cNvPr id="800037620" name="Slide Number Placeholder 3"/>
           <p:cNvSpPr>
             <a:spLocks noGrp="1"/>
           </p:cNvSpPr>
@@ -595,7 +595,7 @@
       </p:grpSpPr>
       <p:sp>
         <p:nvSpPr>
-          <p:cNvPr id="362341168" name="Slide Image Placeholder 1"/>
+          <p:cNvPr id="756971181" name="Slide Image Placeholder 1"/>
           <p:cNvSpPr>
             <a:spLocks noChangeAspect="1" noGrp="1" noRot="1"/>
           </p:cNvSpPr>
@@ -607,7 +607,7 @@
       </p:sp>
       <p:sp>
         <p:nvSpPr>
-          <p:cNvPr id="604111197" name="Notes Placeholder 2"/>
+          <p:cNvPr id="1190868867" name="Notes Placeholder 2"/>
           <p:cNvSpPr>
             <a:spLocks noGrp="1"/>
           </p:cNvSpPr>
@@ -629,7 +629,7 @@
       </p:sp>
       <p:sp>
         <p:nvSpPr>
-          <p:cNvPr id="1890900331" name="Slide Number Placeholder 3"/>
+          <p:cNvPr id="663737620" name="Slide Number Placeholder 3"/>
           <p:cNvSpPr>
             <a:spLocks noGrp="1"/>
           </p:cNvSpPr>
@@ -677,7 +677,7 @@
       </p:grpSpPr>
       <p:sp>
         <p:nvSpPr>
-          <p:cNvPr id="1501760671" name="Slide Image Placeholder 1"/>
+          <p:cNvPr id="307075957" name="Slide Image Placeholder 1"/>
           <p:cNvSpPr>
             <a:spLocks noChangeAspect="1" noGrp="1" noRot="1"/>
           </p:cNvSpPr>
@@ -689,7 +689,7 @@
       </p:sp>
       <p:sp>
         <p:nvSpPr>
-          <p:cNvPr id="985561862" name="Notes Placeholder 2"/>
+          <p:cNvPr id="1617016868" name="Notes Placeholder 2"/>
           <p:cNvSpPr>
             <a:spLocks noGrp="1"/>
           </p:cNvSpPr>
@@ -711,7 +711,7 @@
       </p:sp>
       <p:sp>
         <p:nvSpPr>
-          <p:cNvPr id="1488618839" name="Slide Number Placeholder 3"/>
+          <p:cNvPr id="1607791245" name="Slide Number Placeholder 3"/>
           <p:cNvSpPr>
             <a:spLocks noGrp="1"/>
           </p:cNvSpPr>
@@ -759,7 +759,7 @@
       </p:grpSpPr>
       <p:sp>
         <p:nvSpPr>
-          <p:cNvPr id="1449290134" name="Title 1"/>
+          <p:cNvPr id="837218756" name="Title 1"/>
           <p:cNvSpPr>
             <a:spLocks noGrp="1"/>
           </p:cNvSpPr>
@@ -794,7 +794,7 @@
       </p:sp>
       <p:sp>
         <p:nvSpPr>
-          <p:cNvPr id="652623653" name="Subtitle 2"/>
+          <p:cNvPr id="155922306" name="Subtitle 2"/>
           <p:cNvSpPr>
             <a:spLocks noGrp="1"/>
           </p:cNvSpPr>
@@ -862,7 +862,7 @@
       </p:sp>
       <p:sp>
         <p:nvSpPr>
-          <p:cNvPr id="1443264577" name="Date Placeholder 3"/>
+          <p:cNvPr id="1999211594" name="Date Placeholder 3"/>
           <p:cNvSpPr>
             <a:spLocks noGrp="1"/>
           </p:cNvSpPr>
@@ -888,7 +888,7 @@
       </p:sp>
       <p:sp>
         <p:nvSpPr>
-          <p:cNvPr id="695774337" name="Footer Placeholder 4"/>
+          <p:cNvPr id="1440577144" name="Footer Placeholder 4"/>
           <p:cNvSpPr>
             <a:spLocks noGrp="1"/>
           </p:cNvSpPr>
@@ -910,7 +910,7 @@
       </p:sp>
       <p:sp>
         <p:nvSpPr>
-          <p:cNvPr id="1640640690" name="Slide Number Placeholder 5"/>
+          <p:cNvPr id="365490430" name="Slide Number Placeholder 5"/>
           <p:cNvSpPr>
             <a:spLocks noGrp="1"/>
           </p:cNvSpPr>
@@ -961,7 +961,7 @@
       </p:grpSpPr>
       <p:sp>
         <p:nvSpPr>
-          <p:cNvPr id="1567146228" name="Title 1"/>
+          <p:cNvPr id="151753268" name="Title 1"/>
           <p:cNvSpPr>
             <a:spLocks noGrp="1"/>
           </p:cNvSpPr>
@@ -987,7 +987,7 @@
       </p:sp>
       <p:sp>
         <p:nvSpPr>
-          <p:cNvPr id="2093057682" name="Vertical Text Placeholder 2"/>
+          <p:cNvPr id="1572184345" name="Vertical Text Placeholder 2"/>
           <p:cNvSpPr>
             <a:spLocks noGrp="1"/>
           </p:cNvSpPr>
@@ -1053,7 +1053,7 @@
       </p:sp>
       <p:sp>
         <p:nvSpPr>
-          <p:cNvPr id="1160230765" name="Date Placeholder 3"/>
+          <p:cNvPr id="1994512159" name="Date Placeholder 3"/>
           <p:cNvSpPr>
             <a:spLocks noGrp="1"/>
           </p:cNvSpPr>
@@ -1079,7 +1079,7 @@
       </p:sp>
       <p:sp>
         <p:nvSpPr>
-          <p:cNvPr id="961362912" name="Footer Placeholder 4"/>
+          <p:cNvPr id="1266060974" name="Footer Placeholder 4"/>
           <p:cNvSpPr>
             <a:spLocks noGrp="1"/>
           </p:cNvSpPr>
@@ -1101,7 +1101,7 @@
       </p:sp>
       <p:sp>
         <p:nvSpPr>
-          <p:cNvPr id="641965749" name="Slide Number Placeholder 5"/>
+          <p:cNvPr id="885031952" name="Slide Number Placeholder 5"/>
           <p:cNvSpPr>
             <a:spLocks noGrp="1"/>
           </p:cNvSpPr>
@@ -1152,7 +1152,7 @@
       </p:grpSpPr>
       <p:sp>
         <p:nvSpPr>
-          <p:cNvPr id="442637441" name="Vertical Title 1"/>
+          <p:cNvPr id="1892712834" name="Vertical Title 1"/>
           <p:cNvSpPr>
             <a:spLocks noGrp="1"/>
           </p:cNvSpPr>
@@ -1183,7 +1183,7 @@
       </p:sp>
       <p:sp>
         <p:nvSpPr>
-          <p:cNvPr id="114921953" name="Vertical Text Placeholder 2"/>
+          <p:cNvPr id="741258836" name="Vertical Text Placeholder 2"/>
           <p:cNvSpPr>
             <a:spLocks noGrp="1"/>
           </p:cNvSpPr>
@@ -1254,7 +1254,7 @@
       </p:sp>
       <p:sp>
         <p:nvSpPr>
-          <p:cNvPr id="198865516" name="Date Placeholder 3"/>
+          <p:cNvPr id="1258515217" name="Date Placeholder 3"/>
           <p:cNvSpPr>
             <a:spLocks noGrp="1"/>
           </p:cNvSpPr>
@@ -1280,7 +1280,7 @@
       </p:sp>
       <p:sp>
         <p:nvSpPr>
-          <p:cNvPr id="179720617" name="Footer Placeholder 4"/>
+          <p:cNvPr id="1490681209" name="Footer Placeholder 4"/>
           <p:cNvSpPr>
             <a:spLocks noGrp="1"/>
           </p:cNvSpPr>
@@ -1302,7 +1302,7 @@
       </p:sp>
       <p:sp>
         <p:nvSpPr>
-          <p:cNvPr id="1837828939" name="Slide Number Placeholder 5"/>
+          <p:cNvPr id="1030091791" name="Slide Number Placeholder 5"/>
           <p:cNvSpPr>
             <a:spLocks noGrp="1"/>
           </p:cNvSpPr>
@@ -1353,7 +1353,7 @@
       </p:grpSpPr>
       <p:sp>
         <p:nvSpPr>
-          <p:cNvPr id="1623011451" name="Title 1"/>
+          <p:cNvPr id="642439982" name="Title 1"/>
           <p:cNvSpPr>
             <a:spLocks noGrp="1"/>
           </p:cNvSpPr>
@@ -1379,7 +1379,7 @@
       </p:sp>
       <p:sp>
         <p:nvSpPr>
-          <p:cNvPr id="1638708042" name="Content Placeholder 2"/>
+          <p:cNvPr id="135117422" name="Content Placeholder 2"/>
           <p:cNvSpPr>
             <a:spLocks noGrp="1"/>
           </p:cNvSpPr>
@@ -1445,7 +1445,7 @@
       </p:sp>
       <p:sp>
         <p:nvSpPr>
-          <p:cNvPr id="1737507405" name="Date Placeholder 3"/>
+          <p:cNvPr id="1535958756" name="Date Placeholder 3"/>
           <p:cNvSpPr>
             <a:spLocks noGrp="1"/>
           </p:cNvSpPr>
@@ -1471,7 +1471,7 @@
       </p:sp>
       <p:sp>
         <p:nvSpPr>
-          <p:cNvPr id="732788216" name="Footer Placeholder 4"/>
+          <p:cNvPr id="278953106" name="Footer Placeholder 4"/>
           <p:cNvSpPr>
             <a:spLocks noGrp="1"/>
           </p:cNvSpPr>
@@ -1493,7 +1493,7 @@
       </p:sp>
       <p:sp>
         <p:nvSpPr>
-          <p:cNvPr id="510188114" name="Slide Number Placeholder 5"/>
+          <p:cNvPr id="1624088436" name="Slide Number Placeholder 5"/>
           <p:cNvSpPr>
             <a:spLocks noGrp="1"/>
           </p:cNvSpPr>
@@ -1544,7 +1544,7 @@
       </p:grpSpPr>
       <p:sp>
         <p:nvSpPr>
-          <p:cNvPr id="76453601" name="Title 1"/>
+          <p:cNvPr id="1794917465" name="Title 1"/>
           <p:cNvSpPr>
             <a:spLocks noGrp="1"/>
           </p:cNvSpPr>
@@ -1579,7 +1579,7 @@
       </p:sp>
       <p:sp>
         <p:nvSpPr>
-          <p:cNvPr id="2092489565" name="Text Placeholder 2"/>
+          <p:cNvPr id="1825555706" name="Text Placeholder 2"/>
           <p:cNvSpPr>
             <a:spLocks noGrp="1"/>
           </p:cNvSpPr>
@@ -1701,7 +1701,7 @@
       </p:sp>
       <p:sp>
         <p:nvSpPr>
-          <p:cNvPr id="1058767871" name="Date Placeholder 3"/>
+          <p:cNvPr id="1057363490" name="Date Placeholder 3"/>
           <p:cNvSpPr>
             <a:spLocks noGrp="1"/>
           </p:cNvSpPr>
@@ -1727,7 +1727,7 @@
       </p:sp>
       <p:sp>
         <p:nvSpPr>
-          <p:cNvPr id="68398331" name="Footer Placeholder 4"/>
+          <p:cNvPr id="1102437099" name="Footer Placeholder 4"/>
           <p:cNvSpPr>
             <a:spLocks noGrp="1"/>
           </p:cNvSpPr>
@@ -1749,7 +1749,7 @@
       </p:sp>
       <p:sp>
         <p:nvSpPr>
-          <p:cNvPr id="1601697574" name="Slide Number Placeholder 5"/>
+          <p:cNvPr id="506589698" name="Slide Number Placeholder 5"/>
           <p:cNvSpPr>
             <a:spLocks noGrp="1"/>
           </p:cNvSpPr>
@@ -1800,7 +1800,7 @@
       </p:grpSpPr>
       <p:sp>
         <p:nvSpPr>
-          <p:cNvPr id="990723944" name="Title 1"/>
+          <p:cNvPr id="401746524" name="Title 1"/>
           <p:cNvSpPr>
             <a:spLocks noGrp="1"/>
           </p:cNvSpPr>
@@ -1826,7 +1826,7 @@
       </p:sp>
       <p:sp>
         <p:nvSpPr>
-          <p:cNvPr id="2016279378" name="Content Placeholder 2"/>
+          <p:cNvPr id="1118727080" name="Content Placeholder 2"/>
           <p:cNvSpPr>
             <a:spLocks noGrp="1"/>
           </p:cNvSpPr>
@@ -1897,7 +1897,7 @@
       </p:sp>
       <p:sp>
         <p:nvSpPr>
-          <p:cNvPr id="1184403697" name="Content Placeholder 3"/>
+          <p:cNvPr id="293825161" name="Content Placeholder 3"/>
           <p:cNvSpPr>
             <a:spLocks noGrp="1"/>
           </p:cNvSpPr>
@@ -1968,7 +1968,7 @@
       </p:sp>
       <p:sp>
         <p:nvSpPr>
-          <p:cNvPr id="1103863680" name="Date Placeholder 4"/>
+          <p:cNvPr id="802373507" name="Date Placeholder 4"/>
           <p:cNvSpPr>
             <a:spLocks noGrp="1"/>
           </p:cNvSpPr>
@@ -1994,7 +1994,7 @@
       </p:sp>
       <p:sp>
         <p:nvSpPr>
-          <p:cNvPr id="1176964869" name="Footer Placeholder 5"/>
+          <p:cNvPr id="510840825" name="Footer Placeholder 5"/>
           <p:cNvSpPr>
             <a:spLocks noGrp="1"/>
           </p:cNvSpPr>
@@ -2016,7 +2016,7 @@
       </p:sp>
       <p:sp>
         <p:nvSpPr>
-          <p:cNvPr id="1882269880" name="Slide Number Placeholder 6"/>
+          <p:cNvPr id="910293707" name="Slide Number Placeholder 6"/>
           <p:cNvSpPr>
             <a:spLocks noGrp="1"/>
           </p:cNvSpPr>
@@ -2067,7 +2067,7 @@
       </p:grpSpPr>
       <p:sp>
         <p:nvSpPr>
-          <p:cNvPr id="666501651" name="Title 1"/>
+          <p:cNvPr id="1688318271" name="Title 1"/>
           <p:cNvSpPr>
             <a:spLocks noGrp="1"/>
           </p:cNvSpPr>
@@ -2098,7 +2098,7 @@
       </p:sp>
       <p:sp>
         <p:nvSpPr>
-          <p:cNvPr id="1880243793" name="Text Placeholder 2"/>
+          <p:cNvPr id="21259415" name="Text Placeholder 2"/>
           <p:cNvSpPr>
             <a:spLocks noGrp="1"/>
           </p:cNvSpPr>
@@ -2166,7 +2166,7 @@
       </p:sp>
       <p:sp>
         <p:nvSpPr>
-          <p:cNvPr id="2133711621" name="Content Placeholder 3"/>
+          <p:cNvPr id="1285231107" name="Content Placeholder 3"/>
           <p:cNvSpPr>
             <a:spLocks noGrp="1"/>
           </p:cNvSpPr>
@@ -2237,7 +2237,7 @@
       </p:sp>
       <p:sp>
         <p:nvSpPr>
-          <p:cNvPr id="1621826189" name="Text Placeholder 4"/>
+          <p:cNvPr id="1495414635" name="Text Placeholder 4"/>
           <p:cNvSpPr>
             <a:spLocks noGrp="1"/>
           </p:cNvSpPr>
@@ -2305,7 +2305,7 @@
       </p:sp>
       <p:sp>
         <p:nvSpPr>
-          <p:cNvPr id="484436297" name="Content Placeholder 5"/>
+          <p:cNvPr id="640484618" name="Content Placeholder 5"/>
           <p:cNvSpPr>
             <a:spLocks noGrp="1"/>
           </p:cNvSpPr>
@@ -2376,7 +2376,7 @@
       </p:sp>
       <p:sp>
         <p:nvSpPr>
-          <p:cNvPr id="628485939" name="Date Placeholder 6"/>
+          <p:cNvPr id="1852141221" name="Date Placeholder 6"/>
           <p:cNvSpPr>
             <a:spLocks noGrp="1"/>
           </p:cNvSpPr>
@@ -2402,7 +2402,7 @@
       </p:sp>
       <p:sp>
         <p:nvSpPr>
-          <p:cNvPr id="1853171128" name="Footer Placeholder 7"/>
+          <p:cNvPr id="342073644" name="Footer Placeholder 7"/>
           <p:cNvSpPr>
             <a:spLocks noGrp="1"/>
           </p:cNvSpPr>
@@ -2424,7 +2424,7 @@
       </p:sp>
       <p:sp>
         <p:nvSpPr>
-          <p:cNvPr id="1849212057" name="Slide Number Placeholder 8"/>
+          <p:cNvPr id="2003405932" name="Slide Number Placeholder 8"/>
           <p:cNvSpPr>
             <a:spLocks noGrp="1"/>
           </p:cNvSpPr>
@@ -2475,7 +2475,7 @@
       </p:grpSpPr>
       <p:sp>
         <p:nvSpPr>
-          <p:cNvPr id="744261156" name="Title 1"/>
+          <p:cNvPr id="2038533649" name="Title 1"/>
           <p:cNvSpPr>
             <a:spLocks noGrp="1"/>
           </p:cNvSpPr>
@@ -2501,7 +2501,7 @@
       </p:sp>
       <p:sp>
         <p:nvSpPr>
-          <p:cNvPr id="520206917" name="Date Placeholder 2"/>
+          <p:cNvPr id="429249612" name="Date Placeholder 2"/>
           <p:cNvSpPr>
             <a:spLocks noGrp="1"/>
           </p:cNvSpPr>
@@ -2527,7 +2527,7 @@
       </p:sp>
       <p:sp>
         <p:nvSpPr>
-          <p:cNvPr id="512528603" name="Footer Placeholder 3"/>
+          <p:cNvPr id="1189883384" name="Footer Placeholder 3"/>
           <p:cNvSpPr>
             <a:spLocks noGrp="1"/>
           </p:cNvSpPr>
@@ -2549,7 +2549,7 @@
       </p:sp>
       <p:sp>
         <p:nvSpPr>
-          <p:cNvPr id="1775156005" name="Slide Number Placeholder 4"/>
+          <p:cNvPr id="1336906523" name="Slide Number Placeholder 4"/>
           <p:cNvSpPr>
             <a:spLocks noGrp="1"/>
           </p:cNvSpPr>
@@ -2600,7 +2600,7 @@
       </p:grpSpPr>
       <p:sp>
         <p:nvSpPr>
-          <p:cNvPr id="327245821" name="Date Placeholder 1"/>
+          <p:cNvPr id="1777766923" name="Date Placeholder 1"/>
           <p:cNvSpPr>
             <a:spLocks noGrp="1"/>
           </p:cNvSpPr>
@@ -2626,7 +2626,7 @@
       </p:sp>
       <p:sp>
         <p:nvSpPr>
-          <p:cNvPr id="87585585" name="Footer Placeholder 2"/>
+          <p:cNvPr id="1340315243" name="Footer Placeholder 2"/>
           <p:cNvSpPr>
             <a:spLocks noGrp="1"/>
           </p:cNvSpPr>
@@ -2648,7 +2648,7 @@
       </p:sp>
       <p:sp>
         <p:nvSpPr>
-          <p:cNvPr id="1289951836" name="Slide Number Placeholder 3"/>
+          <p:cNvPr id="991412646" name="Slide Number Placeholder 3"/>
           <p:cNvSpPr>
             <a:spLocks noGrp="1"/>
           </p:cNvSpPr>
@@ -2699,7 +2699,7 @@
       </p:grpSpPr>
       <p:sp>
         <p:nvSpPr>
-          <p:cNvPr id="381254283" name="Title 1"/>
+          <p:cNvPr id="901180394" name="Title 1"/>
           <p:cNvSpPr>
             <a:spLocks noGrp="1"/>
           </p:cNvSpPr>
@@ -2734,7 +2734,7 @@
       </p:sp>
       <p:sp>
         <p:nvSpPr>
-          <p:cNvPr id="1626741360" name="Content Placeholder 2"/>
+          <p:cNvPr id="2072798169" name="Content Placeholder 2"/>
           <p:cNvSpPr>
             <a:spLocks noGrp="1"/>
           </p:cNvSpPr>
@@ -2833,7 +2833,7 @@
       </p:sp>
       <p:sp>
         <p:nvSpPr>
-          <p:cNvPr id="2028608546" name="Text Placeholder 3"/>
+          <p:cNvPr id="1432401891" name="Text Placeholder 3"/>
           <p:cNvSpPr>
             <a:spLocks noGrp="1"/>
           </p:cNvSpPr>
@@ -2901,7 +2901,7 @@
       </p:sp>
       <p:sp>
         <p:nvSpPr>
-          <p:cNvPr id="1817581135" name="Date Placeholder 4"/>
+          <p:cNvPr id="696100052" name="Date Placeholder 4"/>
           <p:cNvSpPr>
             <a:spLocks noGrp="1"/>
           </p:cNvSpPr>
@@ -2927,7 +2927,7 @@
       </p:sp>
       <p:sp>
         <p:nvSpPr>
-          <p:cNvPr id="1808137631" name="Footer Placeholder 5"/>
+          <p:cNvPr id="964163742" name="Footer Placeholder 5"/>
           <p:cNvSpPr>
             <a:spLocks noGrp="1"/>
           </p:cNvSpPr>
@@ -2949,7 +2949,7 @@
       </p:sp>
       <p:sp>
         <p:nvSpPr>
-          <p:cNvPr id="1817572054" name="Slide Number Placeholder 6"/>
+          <p:cNvPr id="1981396263" name="Slide Number Placeholder 6"/>
           <p:cNvSpPr>
             <a:spLocks noGrp="1"/>
           </p:cNvSpPr>
@@ -3000,7 +3000,7 @@
       </p:grpSpPr>
       <p:sp>
         <p:nvSpPr>
-          <p:cNvPr id="1252119420" name="Title 1"/>
+          <p:cNvPr id="1401672" name="Title 1"/>
           <p:cNvSpPr>
             <a:spLocks noGrp="1"/>
           </p:cNvSpPr>
@@ -3035,7 +3035,7 @@
       </p:sp>
       <p:sp>
         <p:nvSpPr>
-          <p:cNvPr id="1228620754" name="Picture Placeholder 2"/>
+          <p:cNvPr id="1888879367" name="Picture Placeholder 2"/>
           <p:cNvSpPr>
             <a:spLocks noChangeAspect="1" noGrp="1"/>
           </p:cNvSpPr>
@@ -3103,7 +3103,7 @@
       </p:sp>
       <p:sp>
         <p:nvSpPr>
-          <p:cNvPr id="439828726" name="Text Placeholder 3"/>
+          <p:cNvPr id="398163465" name="Text Placeholder 3"/>
           <p:cNvSpPr>
             <a:spLocks noGrp="1"/>
           </p:cNvSpPr>
@@ -3171,7 +3171,7 @@
       </p:sp>
       <p:sp>
         <p:nvSpPr>
-          <p:cNvPr id="1558332912" name="Date Placeholder 4"/>
+          <p:cNvPr id="943476565" name="Date Placeholder 4"/>
           <p:cNvSpPr>
             <a:spLocks noGrp="1"/>
           </p:cNvSpPr>
@@ -3197,7 +3197,7 @@
       </p:sp>
       <p:sp>
         <p:nvSpPr>
-          <p:cNvPr id="230517693" name="Footer Placeholder 5"/>
+          <p:cNvPr id="738563804" name="Footer Placeholder 5"/>
           <p:cNvSpPr>
             <a:spLocks noGrp="1"/>
           </p:cNvSpPr>
@@ -3219,7 +3219,7 @@
       </p:sp>
       <p:sp>
         <p:nvSpPr>
-          <p:cNvPr id="1004559582" name="Slide Number Placeholder 6"/>
+          <p:cNvPr id="272232228" name="Slide Number Placeholder 6"/>
           <p:cNvSpPr>
             <a:spLocks noGrp="1"/>
           </p:cNvSpPr>
@@ -3275,7 +3275,7 @@
       </p:grpSpPr>
       <p:sp>
         <p:nvSpPr>
-          <p:cNvPr id="895488017" name="Title Placeholder 1"/>
+          <p:cNvPr id="772578678" name="Title Placeholder 1"/>
           <p:cNvSpPr>
             <a:spLocks noGrp="1"/>
           </p:cNvSpPr>
@@ -3311,7 +3311,7 @@
       </p:sp>
       <p:sp>
         <p:nvSpPr>
-          <p:cNvPr id="1931062904" name="Text Placeholder 2"/>
+          <p:cNvPr id="1674769096" name="Text Placeholder 2"/>
           <p:cNvSpPr>
             <a:spLocks noGrp="1"/>
           </p:cNvSpPr>
@@ -3387,7 +3387,7 @@
       </p:sp>
       <p:sp>
         <p:nvSpPr>
-          <p:cNvPr id="601997812" name="Date Placeholder 3"/>
+          <p:cNvPr id="1734993589" name="Date Placeholder 3"/>
           <p:cNvSpPr>
             <a:spLocks noGrp="1"/>
           </p:cNvSpPr>
@@ -3431,7 +3431,7 @@
       </p:sp>
       <p:sp>
         <p:nvSpPr>
-          <p:cNvPr id="1560952221" name="Footer Placeholder 4"/>
+          <p:cNvPr id="500540143" name="Footer Placeholder 4"/>
           <p:cNvSpPr>
             <a:spLocks noGrp="1"/>
           </p:cNvSpPr>
@@ -3471,7 +3471,7 @@
       </p:sp>
       <p:sp>
         <p:nvSpPr>
-          <p:cNvPr id="149633982" name="Slide Number Placeholder 5"/>
+          <p:cNvPr id="679806869" name="Slide Number Placeholder 5"/>
           <p:cNvSpPr>
             <a:spLocks noGrp="1"/>
           </p:cNvSpPr>
@@ -3831,7 +3831,7 @@
       </p:grpSpPr>
       <p:sp>
         <p:nvSpPr>
-          <p:cNvPr id="1295346419" name="Title 1"/>
+          <p:cNvPr id="788209663" name="Title 1"/>
           <p:cNvSpPr>
             <a:spLocks noGrp="1"/>
           </p:cNvSpPr>
@@ -3878,7 +3878,7 @@
       </p:sp>
       <p:sp>
         <p:nvSpPr>
-          <p:cNvPr id="1454762246" name="Subtitle 2"/>
+          <p:cNvPr id="1140061264" name="Subtitle 2"/>
           <p:cNvSpPr>
             <a:spLocks noGrp="1"/>
           </p:cNvSpPr>
@@ -3921,7 +3921,7 @@
       </p:sp>
       <p:pic>
         <p:nvPicPr>
-          <p:cNvPr id="393415082" name=""/>
+          <p:cNvPr id="69973872" name=""/>
           <p:cNvPicPr>
             <a:picLocks noChangeAspect="1"/>
           </p:cNvPicPr>
@@ -3976,7 +3976,7 @@
       </p:grpSpPr>
       <p:sp>
         <p:nvSpPr>
-          <p:cNvPr id="1233741300" name="Title 1"/>
+          <p:cNvPr id="113401510" name="Title 1"/>
           <p:cNvSpPr>
             <a:spLocks noGrp="1"/>
           </p:cNvSpPr>
@@ -4010,7 +4010,7 @@
       </p:sp>
       <p:sp>
         <p:nvSpPr>
-          <p:cNvPr id="1085033225" name="Content Placeholder 2"/>
+          <p:cNvPr id="1128766424" name="Content Placeholder 2"/>
           <p:cNvSpPr>
             <a:spLocks noGrp="1"/>
           </p:cNvSpPr>
@@ -4116,7 +4116,7 @@
       </p:grpSpPr>
       <p:sp>
         <p:nvSpPr>
-          <p:cNvPr id="1087882813" name="Content Placeholder 2"/>
+          <p:cNvPr id="993819487" name="Content Placeholder 2"/>
           <p:cNvSpPr>
             <a:spLocks noGrp="1"/>
           </p:cNvSpPr>
@@ -4187,7 +4187,7 @@
             </a:pPr>
             <a:r>
               <a:rPr b="1"/>
-              <a:t>IPAddress </a:t>
+              <a:t>IPAddressStatus </a:t>
             </a:r>
             <a:r>
               <a:rPr b="0"/>
@@ -4203,7 +4203,7 @@
       </p:sp>
       <p:sp>
         <p:nvSpPr>
-          <p:cNvPr id="1594256393" name="Title 1"/>
+          <p:cNvPr id="1023772108" name="Title 1"/>
           <p:cNvSpPr>
             <a:spLocks noGrp="1"/>
           </p:cNvSpPr>
@@ -4242,7 +4242,7 @@
       </p:sp>
       <p:pic>
         <p:nvPicPr>
-          <p:cNvPr id="1818604749" name=""/>
+          <p:cNvPr id="600988972" name=""/>
           <p:cNvPicPr>
             <a:picLocks noChangeAspect="1"/>
           </p:cNvPicPr>
@@ -4254,8 +4254,8 @@
         </p:blipFill>
         <p:spPr bwMode="auto">
           <a:xfrm>
-            <a:off x="6398627" y="195262"/>
-            <a:ext cx="5476874" cy="6467474"/>
+            <a:off x="5968999" y="195261"/>
+            <a:ext cx="5438774" cy="6467474"/>
           </a:xfrm>
           <a:prstGeom prst="rect">
             <a:avLst/>

--- a/slides.pptx
+++ b/slides.pptx
@@ -136,7 +136,7 @@
       </p:grpSpPr>
       <p:sp>
         <p:nvSpPr>
-          <p:cNvPr id="205265318" name="Header Placeholder 1"/>
+          <p:cNvPr id="1446912545" name="Header Placeholder 1"/>
           <p:cNvSpPr>
             <a:spLocks noGrp="1"/>
           </p:cNvSpPr>
@@ -170,7 +170,7 @@
       </p:sp>
       <p:sp>
         <p:nvSpPr>
-          <p:cNvPr id="361746884" name="Date Placeholder 2"/>
+          <p:cNvPr id="1325683936" name="Date Placeholder 2"/>
           <p:cNvSpPr>
             <a:spLocks noGrp="1"/>
           </p:cNvSpPr>
@@ -208,7 +208,7 @@
       </p:sp>
       <p:sp>
         <p:nvSpPr>
-          <p:cNvPr id="441411371" name="Slide Image Placeholder 3"/>
+          <p:cNvPr id="97984921" name="Slide Image Placeholder 3"/>
           <p:cNvSpPr>
             <a:spLocks noChangeAspect="1" noGrp="1" noRot="1"/>
           </p:cNvSpPr>
@@ -244,7 +244,7 @@
       </p:sp>
       <p:sp>
         <p:nvSpPr>
-          <p:cNvPr id="339657025" name="Notes Placeholder 4"/>
+          <p:cNvPr id="1313928288" name="Notes Placeholder 4"/>
           <p:cNvSpPr>
             <a:spLocks noGrp="1"/>
           </p:cNvSpPr>
@@ -318,7 +318,7 @@
       </p:sp>
       <p:sp>
         <p:nvSpPr>
-          <p:cNvPr id="1669314836" name="Footer Placeholder 5"/>
+          <p:cNvPr id="1399507097" name="Footer Placeholder 5"/>
           <p:cNvSpPr>
             <a:spLocks noGrp="1"/>
           </p:cNvSpPr>
@@ -352,7 +352,7 @@
       </p:sp>
       <p:sp>
         <p:nvSpPr>
-          <p:cNvPr id="679478538" name="Slide Number Placeholder 6"/>
+          <p:cNvPr id="90174237" name="Slide Number Placeholder 6"/>
           <p:cNvSpPr>
             <a:spLocks noGrp="1"/>
           </p:cNvSpPr>
@@ -505,7 +505,7 @@
       </p:grpSpPr>
       <p:sp>
         <p:nvSpPr>
-          <p:cNvPr id="858249501" name="Slide Image Placeholder 1"/>
+          <p:cNvPr id="1444114044" name="Slide Image Placeholder 1"/>
           <p:cNvSpPr>
             <a:spLocks noChangeAspect="1" noGrp="1" noRot="1"/>
           </p:cNvSpPr>
@@ -522,7 +522,7 @@
       </p:sp>
       <p:sp>
         <p:nvSpPr>
-          <p:cNvPr id="1104103281" name="Notes Placeholder 2"/>
+          <p:cNvPr id="1296366794" name="Notes Placeholder 2"/>
           <p:cNvSpPr>
             <a:spLocks noGrp="1"/>
           </p:cNvSpPr>
@@ -547,7 +547,7 @@
       </p:sp>
       <p:sp>
         <p:nvSpPr>
-          <p:cNvPr id="800037620" name="Slide Number Placeholder 3"/>
+          <p:cNvPr id="458395394" name="Slide Number Placeholder 3"/>
           <p:cNvSpPr>
             <a:spLocks noGrp="1"/>
           </p:cNvSpPr>
@@ -595,7 +595,7 @@
       </p:grpSpPr>
       <p:sp>
         <p:nvSpPr>
-          <p:cNvPr id="756971181" name="Slide Image Placeholder 1"/>
+          <p:cNvPr id="146609025" name="Slide Image Placeholder 1"/>
           <p:cNvSpPr>
             <a:spLocks noChangeAspect="1" noGrp="1" noRot="1"/>
           </p:cNvSpPr>
@@ -607,7 +607,7 @@
       </p:sp>
       <p:sp>
         <p:nvSpPr>
-          <p:cNvPr id="1190868867" name="Notes Placeholder 2"/>
+          <p:cNvPr id="1878616270" name="Notes Placeholder 2"/>
           <p:cNvSpPr>
             <a:spLocks noGrp="1"/>
           </p:cNvSpPr>
@@ -629,7 +629,7 @@
       </p:sp>
       <p:sp>
         <p:nvSpPr>
-          <p:cNvPr id="663737620" name="Slide Number Placeholder 3"/>
+          <p:cNvPr id="411515719" name="Slide Number Placeholder 3"/>
           <p:cNvSpPr>
             <a:spLocks noGrp="1"/>
           </p:cNvSpPr>
@@ -677,7 +677,7 @@
       </p:grpSpPr>
       <p:sp>
         <p:nvSpPr>
-          <p:cNvPr id="307075957" name="Slide Image Placeholder 1"/>
+          <p:cNvPr id="872931590" name="Slide Image Placeholder 1"/>
           <p:cNvSpPr>
             <a:spLocks noChangeAspect="1" noGrp="1" noRot="1"/>
           </p:cNvSpPr>
@@ -689,7 +689,7 @@
       </p:sp>
       <p:sp>
         <p:nvSpPr>
-          <p:cNvPr id="1617016868" name="Notes Placeholder 2"/>
+          <p:cNvPr id="888149024" name="Notes Placeholder 2"/>
           <p:cNvSpPr>
             <a:spLocks noGrp="1"/>
           </p:cNvSpPr>
@@ -711,7 +711,7 @@
       </p:sp>
       <p:sp>
         <p:nvSpPr>
-          <p:cNvPr id="1607791245" name="Slide Number Placeholder 3"/>
+          <p:cNvPr id="520178646" name="Slide Number Placeholder 3"/>
           <p:cNvSpPr>
             <a:spLocks noGrp="1"/>
           </p:cNvSpPr>
@@ -759,7 +759,7 @@
       </p:grpSpPr>
       <p:sp>
         <p:nvSpPr>
-          <p:cNvPr id="837218756" name="Title 1"/>
+          <p:cNvPr id="1517916349" name="Title 1"/>
           <p:cNvSpPr>
             <a:spLocks noGrp="1"/>
           </p:cNvSpPr>
@@ -794,7 +794,7 @@
       </p:sp>
       <p:sp>
         <p:nvSpPr>
-          <p:cNvPr id="155922306" name="Subtitle 2"/>
+          <p:cNvPr id="614190643" name="Subtitle 2"/>
           <p:cNvSpPr>
             <a:spLocks noGrp="1"/>
           </p:cNvSpPr>
@@ -862,7 +862,7 @@
       </p:sp>
       <p:sp>
         <p:nvSpPr>
-          <p:cNvPr id="1999211594" name="Date Placeholder 3"/>
+          <p:cNvPr id="1269721991" name="Date Placeholder 3"/>
           <p:cNvSpPr>
             <a:spLocks noGrp="1"/>
           </p:cNvSpPr>
@@ -888,7 +888,7 @@
       </p:sp>
       <p:sp>
         <p:nvSpPr>
-          <p:cNvPr id="1440577144" name="Footer Placeholder 4"/>
+          <p:cNvPr id="1675416759" name="Footer Placeholder 4"/>
           <p:cNvSpPr>
             <a:spLocks noGrp="1"/>
           </p:cNvSpPr>
@@ -910,7 +910,7 @@
       </p:sp>
       <p:sp>
         <p:nvSpPr>
-          <p:cNvPr id="365490430" name="Slide Number Placeholder 5"/>
+          <p:cNvPr id="651130123" name="Slide Number Placeholder 5"/>
           <p:cNvSpPr>
             <a:spLocks noGrp="1"/>
           </p:cNvSpPr>
@@ -961,7 +961,7 @@
       </p:grpSpPr>
       <p:sp>
         <p:nvSpPr>
-          <p:cNvPr id="151753268" name="Title 1"/>
+          <p:cNvPr id="789988535" name="Title 1"/>
           <p:cNvSpPr>
             <a:spLocks noGrp="1"/>
           </p:cNvSpPr>
@@ -987,7 +987,7 @@
       </p:sp>
       <p:sp>
         <p:nvSpPr>
-          <p:cNvPr id="1572184345" name="Vertical Text Placeholder 2"/>
+          <p:cNvPr id="121896996" name="Vertical Text Placeholder 2"/>
           <p:cNvSpPr>
             <a:spLocks noGrp="1"/>
           </p:cNvSpPr>
@@ -1053,7 +1053,7 @@
       </p:sp>
       <p:sp>
         <p:nvSpPr>
-          <p:cNvPr id="1994512159" name="Date Placeholder 3"/>
+          <p:cNvPr id="1322275500" name="Date Placeholder 3"/>
           <p:cNvSpPr>
             <a:spLocks noGrp="1"/>
           </p:cNvSpPr>
@@ -1079,7 +1079,7 @@
       </p:sp>
       <p:sp>
         <p:nvSpPr>
-          <p:cNvPr id="1266060974" name="Footer Placeholder 4"/>
+          <p:cNvPr id="354323983" name="Footer Placeholder 4"/>
           <p:cNvSpPr>
             <a:spLocks noGrp="1"/>
           </p:cNvSpPr>
@@ -1101,7 +1101,7 @@
       </p:sp>
       <p:sp>
         <p:nvSpPr>
-          <p:cNvPr id="885031952" name="Slide Number Placeholder 5"/>
+          <p:cNvPr id="207453490" name="Slide Number Placeholder 5"/>
           <p:cNvSpPr>
             <a:spLocks noGrp="1"/>
           </p:cNvSpPr>
@@ -1152,7 +1152,7 @@
       </p:grpSpPr>
       <p:sp>
         <p:nvSpPr>
-          <p:cNvPr id="1892712834" name="Vertical Title 1"/>
+          <p:cNvPr id="1750050554" name="Vertical Title 1"/>
           <p:cNvSpPr>
             <a:spLocks noGrp="1"/>
           </p:cNvSpPr>
@@ -1183,7 +1183,7 @@
       </p:sp>
       <p:sp>
         <p:nvSpPr>
-          <p:cNvPr id="741258836" name="Vertical Text Placeholder 2"/>
+          <p:cNvPr id="1813998617" name="Vertical Text Placeholder 2"/>
           <p:cNvSpPr>
             <a:spLocks noGrp="1"/>
           </p:cNvSpPr>
@@ -1254,7 +1254,7 @@
       </p:sp>
       <p:sp>
         <p:nvSpPr>
-          <p:cNvPr id="1258515217" name="Date Placeholder 3"/>
+          <p:cNvPr id="145059292" name="Date Placeholder 3"/>
           <p:cNvSpPr>
             <a:spLocks noGrp="1"/>
           </p:cNvSpPr>
@@ -1280,7 +1280,7 @@
       </p:sp>
       <p:sp>
         <p:nvSpPr>
-          <p:cNvPr id="1490681209" name="Footer Placeholder 4"/>
+          <p:cNvPr id="648550052" name="Footer Placeholder 4"/>
           <p:cNvSpPr>
             <a:spLocks noGrp="1"/>
           </p:cNvSpPr>
@@ -1302,7 +1302,7 @@
       </p:sp>
       <p:sp>
         <p:nvSpPr>
-          <p:cNvPr id="1030091791" name="Slide Number Placeholder 5"/>
+          <p:cNvPr id="1484900802" name="Slide Number Placeholder 5"/>
           <p:cNvSpPr>
             <a:spLocks noGrp="1"/>
           </p:cNvSpPr>
@@ -1353,7 +1353,7 @@
       </p:grpSpPr>
       <p:sp>
         <p:nvSpPr>
-          <p:cNvPr id="642439982" name="Title 1"/>
+          <p:cNvPr id="522579730" name="Title 1"/>
           <p:cNvSpPr>
             <a:spLocks noGrp="1"/>
           </p:cNvSpPr>
@@ -1379,7 +1379,7 @@
       </p:sp>
       <p:sp>
         <p:nvSpPr>
-          <p:cNvPr id="135117422" name="Content Placeholder 2"/>
+          <p:cNvPr id="843773377" name="Content Placeholder 2"/>
           <p:cNvSpPr>
             <a:spLocks noGrp="1"/>
           </p:cNvSpPr>
@@ -1445,7 +1445,7 @@
       </p:sp>
       <p:sp>
         <p:nvSpPr>
-          <p:cNvPr id="1535958756" name="Date Placeholder 3"/>
+          <p:cNvPr id="1358189459" name="Date Placeholder 3"/>
           <p:cNvSpPr>
             <a:spLocks noGrp="1"/>
           </p:cNvSpPr>
@@ -1471,7 +1471,7 @@
       </p:sp>
       <p:sp>
         <p:nvSpPr>
-          <p:cNvPr id="278953106" name="Footer Placeholder 4"/>
+          <p:cNvPr id="280607804" name="Footer Placeholder 4"/>
           <p:cNvSpPr>
             <a:spLocks noGrp="1"/>
           </p:cNvSpPr>
@@ -1493,7 +1493,7 @@
       </p:sp>
       <p:sp>
         <p:nvSpPr>
-          <p:cNvPr id="1624088436" name="Slide Number Placeholder 5"/>
+          <p:cNvPr id="1709051426" name="Slide Number Placeholder 5"/>
           <p:cNvSpPr>
             <a:spLocks noGrp="1"/>
           </p:cNvSpPr>
@@ -1544,7 +1544,7 @@
       </p:grpSpPr>
       <p:sp>
         <p:nvSpPr>
-          <p:cNvPr id="1794917465" name="Title 1"/>
+          <p:cNvPr id="2059147777" name="Title 1"/>
           <p:cNvSpPr>
             <a:spLocks noGrp="1"/>
           </p:cNvSpPr>
@@ -1579,7 +1579,7 @@
       </p:sp>
       <p:sp>
         <p:nvSpPr>
-          <p:cNvPr id="1825555706" name="Text Placeholder 2"/>
+          <p:cNvPr id="24922845" name="Text Placeholder 2"/>
           <p:cNvSpPr>
             <a:spLocks noGrp="1"/>
           </p:cNvSpPr>
@@ -1701,7 +1701,7 @@
       </p:sp>
       <p:sp>
         <p:nvSpPr>
-          <p:cNvPr id="1057363490" name="Date Placeholder 3"/>
+          <p:cNvPr id="932010219" name="Date Placeholder 3"/>
           <p:cNvSpPr>
             <a:spLocks noGrp="1"/>
           </p:cNvSpPr>
@@ -1727,7 +1727,7 @@
       </p:sp>
       <p:sp>
         <p:nvSpPr>
-          <p:cNvPr id="1102437099" name="Footer Placeholder 4"/>
+          <p:cNvPr id="1812064590" name="Footer Placeholder 4"/>
           <p:cNvSpPr>
             <a:spLocks noGrp="1"/>
           </p:cNvSpPr>
@@ -1749,7 +1749,7 @@
       </p:sp>
       <p:sp>
         <p:nvSpPr>
-          <p:cNvPr id="506589698" name="Slide Number Placeholder 5"/>
+          <p:cNvPr id="217735227" name="Slide Number Placeholder 5"/>
           <p:cNvSpPr>
             <a:spLocks noGrp="1"/>
           </p:cNvSpPr>
@@ -1800,7 +1800,7 @@
       </p:grpSpPr>
       <p:sp>
         <p:nvSpPr>
-          <p:cNvPr id="401746524" name="Title 1"/>
+          <p:cNvPr id="323776933" name="Title 1"/>
           <p:cNvSpPr>
             <a:spLocks noGrp="1"/>
           </p:cNvSpPr>
@@ -1826,7 +1826,7 @@
       </p:sp>
       <p:sp>
         <p:nvSpPr>
-          <p:cNvPr id="1118727080" name="Content Placeholder 2"/>
+          <p:cNvPr id="1239071957" name="Content Placeholder 2"/>
           <p:cNvSpPr>
             <a:spLocks noGrp="1"/>
           </p:cNvSpPr>
@@ -1897,7 +1897,7 @@
       </p:sp>
       <p:sp>
         <p:nvSpPr>
-          <p:cNvPr id="293825161" name="Content Placeholder 3"/>
+          <p:cNvPr id="256944409" name="Content Placeholder 3"/>
           <p:cNvSpPr>
             <a:spLocks noGrp="1"/>
           </p:cNvSpPr>
@@ -1968,7 +1968,7 @@
       </p:sp>
       <p:sp>
         <p:nvSpPr>
-          <p:cNvPr id="802373507" name="Date Placeholder 4"/>
+          <p:cNvPr id="868864254" name="Date Placeholder 4"/>
           <p:cNvSpPr>
             <a:spLocks noGrp="1"/>
           </p:cNvSpPr>
@@ -1994,7 +1994,7 @@
       </p:sp>
       <p:sp>
         <p:nvSpPr>
-          <p:cNvPr id="510840825" name="Footer Placeholder 5"/>
+          <p:cNvPr id="423894925" name="Footer Placeholder 5"/>
           <p:cNvSpPr>
             <a:spLocks noGrp="1"/>
           </p:cNvSpPr>
@@ -2016,7 +2016,7 @@
       </p:sp>
       <p:sp>
         <p:nvSpPr>
-          <p:cNvPr id="910293707" name="Slide Number Placeholder 6"/>
+          <p:cNvPr id="476270867" name="Slide Number Placeholder 6"/>
           <p:cNvSpPr>
             <a:spLocks noGrp="1"/>
           </p:cNvSpPr>
@@ -2067,7 +2067,7 @@
       </p:grpSpPr>
       <p:sp>
         <p:nvSpPr>
-          <p:cNvPr id="1688318271" name="Title 1"/>
+          <p:cNvPr id="1339910281" name="Title 1"/>
           <p:cNvSpPr>
             <a:spLocks noGrp="1"/>
           </p:cNvSpPr>
@@ -2098,7 +2098,7 @@
       </p:sp>
       <p:sp>
         <p:nvSpPr>
-          <p:cNvPr id="21259415" name="Text Placeholder 2"/>
+          <p:cNvPr id="1646588043" name="Text Placeholder 2"/>
           <p:cNvSpPr>
             <a:spLocks noGrp="1"/>
           </p:cNvSpPr>
@@ -2166,7 +2166,7 @@
       </p:sp>
       <p:sp>
         <p:nvSpPr>
-          <p:cNvPr id="1285231107" name="Content Placeholder 3"/>
+          <p:cNvPr id="140802725" name="Content Placeholder 3"/>
           <p:cNvSpPr>
             <a:spLocks noGrp="1"/>
           </p:cNvSpPr>
@@ -2237,7 +2237,7 @@
       </p:sp>
       <p:sp>
         <p:nvSpPr>
-          <p:cNvPr id="1495414635" name="Text Placeholder 4"/>
+          <p:cNvPr id="1226757273" name="Text Placeholder 4"/>
           <p:cNvSpPr>
             <a:spLocks noGrp="1"/>
           </p:cNvSpPr>
@@ -2305,7 +2305,7 @@
       </p:sp>
       <p:sp>
         <p:nvSpPr>
-          <p:cNvPr id="640484618" name="Content Placeholder 5"/>
+          <p:cNvPr id="1243716598" name="Content Placeholder 5"/>
           <p:cNvSpPr>
             <a:spLocks noGrp="1"/>
           </p:cNvSpPr>
@@ -2376,7 +2376,7 @@
       </p:sp>
       <p:sp>
         <p:nvSpPr>
-          <p:cNvPr id="1852141221" name="Date Placeholder 6"/>
+          <p:cNvPr id="754089957" name="Date Placeholder 6"/>
           <p:cNvSpPr>
             <a:spLocks noGrp="1"/>
           </p:cNvSpPr>
@@ -2402,7 +2402,7 @@
       </p:sp>
       <p:sp>
         <p:nvSpPr>
-          <p:cNvPr id="342073644" name="Footer Placeholder 7"/>
+          <p:cNvPr id="598523695" name="Footer Placeholder 7"/>
           <p:cNvSpPr>
             <a:spLocks noGrp="1"/>
           </p:cNvSpPr>
@@ -2424,7 +2424,7 @@
       </p:sp>
       <p:sp>
         <p:nvSpPr>
-          <p:cNvPr id="2003405932" name="Slide Number Placeholder 8"/>
+          <p:cNvPr id="1166989177" name="Slide Number Placeholder 8"/>
           <p:cNvSpPr>
             <a:spLocks noGrp="1"/>
           </p:cNvSpPr>
@@ -2475,7 +2475,7 @@
       </p:grpSpPr>
       <p:sp>
         <p:nvSpPr>
-          <p:cNvPr id="2038533649" name="Title 1"/>
+          <p:cNvPr id="1755105163" name="Title 1"/>
           <p:cNvSpPr>
             <a:spLocks noGrp="1"/>
           </p:cNvSpPr>
@@ -2501,7 +2501,7 @@
       </p:sp>
       <p:sp>
         <p:nvSpPr>
-          <p:cNvPr id="429249612" name="Date Placeholder 2"/>
+          <p:cNvPr id="1009723216" name="Date Placeholder 2"/>
           <p:cNvSpPr>
             <a:spLocks noGrp="1"/>
           </p:cNvSpPr>
@@ -2527,7 +2527,7 @@
       </p:sp>
       <p:sp>
         <p:nvSpPr>
-          <p:cNvPr id="1189883384" name="Footer Placeholder 3"/>
+          <p:cNvPr id="781135651" name="Footer Placeholder 3"/>
           <p:cNvSpPr>
             <a:spLocks noGrp="1"/>
           </p:cNvSpPr>
@@ -2549,7 +2549,7 @@
       </p:sp>
       <p:sp>
         <p:nvSpPr>
-          <p:cNvPr id="1336906523" name="Slide Number Placeholder 4"/>
+          <p:cNvPr id="1311152007" name="Slide Number Placeholder 4"/>
           <p:cNvSpPr>
             <a:spLocks noGrp="1"/>
           </p:cNvSpPr>
@@ -2600,7 +2600,7 @@
       </p:grpSpPr>
       <p:sp>
         <p:nvSpPr>
-          <p:cNvPr id="1777766923" name="Date Placeholder 1"/>
+          <p:cNvPr id="1779579603" name="Date Placeholder 1"/>
           <p:cNvSpPr>
             <a:spLocks noGrp="1"/>
           </p:cNvSpPr>
@@ -2626,7 +2626,7 @@
       </p:sp>
       <p:sp>
         <p:nvSpPr>
-          <p:cNvPr id="1340315243" name="Footer Placeholder 2"/>
+          <p:cNvPr id="151499974" name="Footer Placeholder 2"/>
           <p:cNvSpPr>
             <a:spLocks noGrp="1"/>
           </p:cNvSpPr>
@@ -2648,7 +2648,7 @@
       </p:sp>
       <p:sp>
         <p:nvSpPr>
-          <p:cNvPr id="991412646" name="Slide Number Placeholder 3"/>
+          <p:cNvPr id="1775287791" name="Slide Number Placeholder 3"/>
           <p:cNvSpPr>
             <a:spLocks noGrp="1"/>
           </p:cNvSpPr>
@@ -2699,7 +2699,7 @@
       </p:grpSpPr>
       <p:sp>
         <p:nvSpPr>
-          <p:cNvPr id="901180394" name="Title 1"/>
+          <p:cNvPr id="1207910511" name="Title 1"/>
           <p:cNvSpPr>
             <a:spLocks noGrp="1"/>
           </p:cNvSpPr>
@@ -2734,7 +2734,7 @@
       </p:sp>
       <p:sp>
         <p:nvSpPr>
-          <p:cNvPr id="2072798169" name="Content Placeholder 2"/>
+          <p:cNvPr id="1605949673" name="Content Placeholder 2"/>
           <p:cNvSpPr>
             <a:spLocks noGrp="1"/>
           </p:cNvSpPr>
@@ -2833,7 +2833,7 @@
       </p:sp>
       <p:sp>
         <p:nvSpPr>
-          <p:cNvPr id="1432401891" name="Text Placeholder 3"/>
+          <p:cNvPr id="674019328" name="Text Placeholder 3"/>
           <p:cNvSpPr>
             <a:spLocks noGrp="1"/>
           </p:cNvSpPr>
@@ -2901,7 +2901,7 @@
       </p:sp>
       <p:sp>
         <p:nvSpPr>
-          <p:cNvPr id="696100052" name="Date Placeholder 4"/>
+          <p:cNvPr id="691400291" name="Date Placeholder 4"/>
           <p:cNvSpPr>
             <a:spLocks noGrp="1"/>
           </p:cNvSpPr>
@@ -2927,7 +2927,7 @@
       </p:sp>
       <p:sp>
         <p:nvSpPr>
-          <p:cNvPr id="964163742" name="Footer Placeholder 5"/>
+          <p:cNvPr id="361292525" name="Footer Placeholder 5"/>
           <p:cNvSpPr>
             <a:spLocks noGrp="1"/>
           </p:cNvSpPr>
@@ -2949,7 +2949,7 @@
       </p:sp>
       <p:sp>
         <p:nvSpPr>
-          <p:cNvPr id="1981396263" name="Slide Number Placeholder 6"/>
+          <p:cNvPr id="435339843" name="Slide Number Placeholder 6"/>
           <p:cNvSpPr>
             <a:spLocks noGrp="1"/>
           </p:cNvSpPr>
@@ -3000,7 +3000,7 @@
       </p:grpSpPr>
       <p:sp>
         <p:nvSpPr>
-          <p:cNvPr id="1401672" name="Title 1"/>
+          <p:cNvPr id="466732900" name="Title 1"/>
           <p:cNvSpPr>
             <a:spLocks noGrp="1"/>
           </p:cNvSpPr>
@@ -3035,7 +3035,7 @@
       </p:sp>
       <p:sp>
         <p:nvSpPr>
-          <p:cNvPr id="1888879367" name="Picture Placeholder 2"/>
+          <p:cNvPr id="418577699" name="Picture Placeholder 2"/>
           <p:cNvSpPr>
             <a:spLocks noChangeAspect="1" noGrp="1"/>
           </p:cNvSpPr>
@@ -3103,7 +3103,7 @@
       </p:sp>
       <p:sp>
         <p:nvSpPr>
-          <p:cNvPr id="398163465" name="Text Placeholder 3"/>
+          <p:cNvPr id="782595780" name="Text Placeholder 3"/>
           <p:cNvSpPr>
             <a:spLocks noGrp="1"/>
           </p:cNvSpPr>
@@ -3171,7 +3171,7 @@
       </p:sp>
       <p:sp>
         <p:nvSpPr>
-          <p:cNvPr id="943476565" name="Date Placeholder 4"/>
+          <p:cNvPr id="657759862" name="Date Placeholder 4"/>
           <p:cNvSpPr>
             <a:spLocks noGrp="1"/>
           </p:cNvSpPr>
@@ -3197,7 +3197,7 @@
       </p:sp>
       <p:sp>
         <p:nvSpPr>
-          <p:cNvPr id="738563804" name="Footer Placeholder 5"/>
+          <p:cNvPr id="1893470748" name="Footer Placeholder 5"/>
           <p:cNvSpPr>
             <a:spLocks noGrp="1"/>
           </p:cNvSpPr>
@@ -3219,7 +3219,7 @@
       </p:sp>
       <p:sp>
         <p:nvSpPr>
-          <p:cNvPr id="272232228" name="Slide Number Placeholder 6"/>
+          <p:cNvPr id="1479129514" name="Slide Number Placeholder 6"/>
           <p:cNvSpPr>
             <a:spLocks noGrp="1"/>
           </p:cNvSpPr>
@@ -3275,7 +3275,7 @@
       </p:grpSpPr>
       <p:sp>
         <p:nvSpPr>
-          <p:cNvPr id="772578678" name="Title Placeholder 1"/>
+          <p:cNvPr id="292516469" name="Title Placeholder 1"/>
           <p:cNvSpPr>
             <a:spLocks noGrp="1"/>
           </p:cNvSpPr>
@@ -3311,7 +3311,7 @@
       </p:sp>
       <p:sp>
         <p:nvSpPr>
-          <p:cNvPr id="1674769096" name="Text Placeholder 2"/>
+          <p:cNvPr id="179443192" name="Text Placeholder 2"/>
           <p:cNvSpPr>
             <a:spLocks noGrp="1"/>
           </p:cNvSpPr>
@@ -3387,7 +3387,7 @@
       </p:sp>
       <p:sp>
         <p:nvSpPr>
-          <p:cNvPr id="1734993589" name="Date Placeholder 3"/>
+          <p:cNvPr id="12269216" name="Date Placeholder 3"/>
           <p:cNvSpPr>
             <a:spLocks noGrp="1"/>
           </p:cNvSpPr>
@@ -3431,7 +3431,7 @@
       </p:sp>
       <p:sp>
         <p:nvSpPr>
-          <p:cNvPr id="500540143" name="Footer Placeholder 4"/>
+          <p:cNvPr id="1779297453" name="Footer Placeholder 4"/>
           <p:cNvSpPr>
             <a:spLocks noGrp="1"/>
           </p:cNvSpPr>
@@ -3471,7 +3471,7 @@
       </p:sp>
       <p:sp>
         <p:nvSpPr>
-          <p:cNvPr id="679806869" name="Slide Number Placeholder 5"/>
+          <p:cNvPr id="1193649755" name="Slide Number Placeholder 5"/>
           <p:cNvSpPr>
             <a:spLocks noGrp="1"/>
           </p:cNvSpPr>
@@ -3831,7 +3831,7 @@
       </p:grpSpPr>
       <p:sp>
         <p:nvSpPr>
-          <p:cNvPr id="788209663" name="Title 1"/>
+          <p:cNvPr id="2039590279" name="Title 1"/>
           <p:cNvSpPr>
             <a:spLocks noGrp="1"/>
           </p:cNvSpPr>
@@ -3878,7 +3878,7 @@
       </p:sp>
       <p:sp>
         <p:nvSpPr>
-          <p:cNvPr id="1140061264" name="Subtitle 2"/>
+          <p:cNvPr id="2104095975" name="Subtitle 2"/>
           <p:cNvSpPr>
             <a:spLocks noGrp="1"/>
           </p:cNvSpPr>
@@ -3921,7 +3921,7 @@
       </p:sp>
       <p:pic>
         <p:nvPicPr>
-          <p:cNvPr id="69973872" name=""/>
+          <p:cNvPr id="850630865" name=""/>
           <p:cNvPicPr>
             <a:picLocks noChangeAspect="1"/>
           </p:cNvPicPr>
@@ -3976,7 +3976,7 @@
       </p:grpSpPr>
       <p:sp>
         <p:nvSpPr>
-          <p:cNvPr id="113401510" name="Title 1"/>
+          <p:cNvPr id="1999416289" name="Title 1"/>
           <p:cNvSpPr>
             <a:spLocks noGrp="1"/>
           </p:cNvSpPr>
@@ -4010,7 +4010,7 @@
       </p:sp>
       <p:sp>
         <p:nvSpPr>
-          <p:cNvPr id="1128766424" name="Content Placeholder 2"/>
+          <p:cNvPr id="1707770788" name="Content Placeholder 2"/>
           <p:cNvSpPr>
             <a:spLocks noGrp="1"/>
           </p:cNvSpPr>
@@ -4116,7 +4116,7 @@
       </p:grpSpPr>
       <p:sp>
         <p:nvSpPr>
-          <p:cNvPr id="993819487" name="Content Placeholder 2"/>
+          <p:cNvPr id="1111728323" name="Content Placeholder 2"/>
           <p:cNvSpPr>
             <a:spLocks noGrp="1"/>
           </p:cNvSpPr>
@@ -4203,7 +4203,7 @@
       </p:sp>
       <p:sp>
         <p:nvSpPr>
-          <p:cNvPr id="1023772108" name="Title 1"/>
+          <p:cNvPr id="1215842227" name="Title 1"/>
           <p:cNvSpPr>
             <a:spLocks noGrp="1"/>
           </p:cNvSpPr>
@@ -4242,7 +4242,7 @@
       </p:sp>
       <p:pic>
         <p:nvPicPr>
-          <p:cNvPr id="600988972" name=""/>
+          <p:cNvPr id="888833857" name=""/>
           <p:cNvPicPr>
             <a:picLocks noChangeAspect="1"/>
           </p:cNvPicPr>
@@ -4254,8 +4254,8 @@
         </p:blipFill>
         <p:spPr bwMode="auto">
           <a:xfrm>
-            <a:off x="5968999" y="195261"/>
-            <a:ext cx="5438774" cy="6467474"/>
+            <a:off x="6149635" y="266698"/>
+            <a:ext cx="5105399" cy="6324599"/>
           </a:xfrm>
           <a:prstGeom prst="rect">
             <a:avLst/>

--- a/slides.pptx
+++ b/slides.pptx
@@ -136,7 +136,7 @@
       </p:grpSpPr>
       <p:sp>
         <p:nvSpPr>
-          <p:cNvPr id="1446912545" name="Header Placeholder 1"/>
+          <p:cNvPr id="1598969820" name="Header Placeholder 1"/>
           <p:cNvSpPr>
             <a:spLocks noGrp="1"/>
           </p:cNvSpPr>
@@ -170,7 +170,7 @@
       </p:sp>
       <p:sp>
         <p:nvSpPr>
-          <p:cNvPr id="1325683936" name="Date Placeholder 2"/>
+          <p:cNvPr id="1174448084" name="Date Placeholder 2"/>
           <p:cNvSpPr>
             <a:spLocks noGrp="1"/>
           </p:cNvSpPr>
@@ -208,7 +208,7 @@
       </p:sp>
       <p:sp>
         <p:nvSpPr>
-          <p:cNvPr id="97984921" name="Slide Image Placeholder 3"/>
+          <p:cNvPr id="1930324179" name="Slide Image Placeholder 3"/>
           <p:cNvSpPr>
             <a:spLocks noChangeAspect="1" noGrp="1" noRot="1"/>
           </p:cNvSpPr>
@@ -244,7 +244,7 @@
       </p:sp>
       <p:sp>
         <p:nvSpPr>
-          <p:cNvPr id="1313928288" name="Notes Placeholder 4"/>
+          <p:cNvPr id="1326688775" name="Notes Placeholder 4"/>
           <p:cNvSpPr>
             <a:spLocks noGrp="1"/>
           </p:cNvSpPr>
@@ -318,7 +318,7 @@
       </p:sp>
       <p:sp>
         <p:nvSpPr>
-          <p:cNvPr id="1399507097" name="Footer Placeholder 5"/>
+          <p:cNvPr id="1419190557" name="Footer Placeholder 5"/>
           <p:cNvSpPr>
             <a:spLocks noGrp="1"/>
           </p:cNvSpPr>
@@ -352,7 +352,7 @@
       </p:sp>
       <p:sp>
         <p:nvSpPr>
-          <p:cNvPr id="90174237" name="Slide Number Placeholder 6"/>
+          <p:cNvPr id="1745943057" name="Slide Number Placeholder 6"/>
           <p:cNvSpPr>
             <a:spLocks noGrp="1"/>
           </p:cNvSpPr>
@@ -505,7 +505,7 @@
       </p:grpSpPr>
       <p:sp>
         <p:nvSpPr>
-          <p:cNvPr id="1444114044" name="Slide Image Placeholder 1"/>
+          <p:cNvPr id="169056742" name="Slide Image Placeholder 1"/>
           <p:cNvSpPr>
             <a:spLocks noChangeAspect="1" noGrp="1" noRot="1"/>
           </p:cNvSpPr>
@@ -522,7 +522,7 @@
       </p:sp>
       <p:sp>
         <p:nvSpPr>
-          <p:cNvPr id="1296366794" name="Notes Placeholder 2"/>
+          <p:cNvPr id="2094805850" name="Notes Placeholder 2"/>
           <p:cNvSpPr>
             <a:spLocks noGrp="1"/>
           </p:cNvSpPr>
@@ -547,7 +547,7 @@
       </p:sp>
       <p:sp>
         <p:nvSpPr>
-          <p:cNvPr id="458395394" name="Slide Number Placeholder 3"/>
+          <p:cNvPr id="1253440528" name="Slide Number Placeholder 3"/>
           <p:cNvSpPr>
             <a:spLocks noGrp="1"/>
           </p:cNvSpPr>
@@ -595,7 +595,7 @@
       </p:grpSpPr>
       <p:sp>
         <p:nvSpPr>
-          <p:cNvPr id="146609025" name="Slide Image Placeholder 1"/>
+          <p:cNvPr id="26768785" name="Slide Image Placeholder 1"/>
           <p:cNvSpPr>
             <a:spLocks noChangeAspect="1" noGrp="1" noRot="1"/>
           </p:cNvSpPr>
@@ -607,7 +607,7 @@
       </p:sp>
       <p:sp>
         <p:nvSpPr>
-          <p:cNvPr id="1878616270" name="Notes Placeholder 2"/>
+          <p:cNvPr id="1615037983" name="Notes Placeholder 2"/>
           <p:cNvSpPr>
             <a:spLocks noGrp="1"/>
           </p:cNvSpPr>
@@ -629,7 +629,7 @@
       </p:sp>
       <p:sp>
         <p:nvSpPr>
-          <p:cNvPr id="411515719" name="Slide Number Placeholder 3"/>
+          <p:cNvPr id="1026733521" name="Slide Number Placeholder 3"/>
           <p:cNvSpPr>
             <a:spLocks noGrp="1"/>
           </p:cNvSpPr>
@@ -677,7 +677,7 @@
       </p:grpSpPr>
       <p:sp>
         <p:nvSpPr>
-          <p:cNvPr id="872931590" name="Slide Image Placeholder 1"/>
+          <p:cNvPr id="1318505068" name="Slide Image Placeholder 1"/>
           <p:cNvSpPr>
             <a:spLocks noChangeAspect="1" noGrp="1" noRot="1"/>
           </p:cNvSpPr>
@@ -689,7 +689,7 @@
       </p:sp>
       <p:sp>
         <p:nvSpPr>
-          <p:cNvPr id="888149024" name="Notes Placeholder 2"/>
+          <p:cNvPr id="1410047258" name="Notes Placeholder 2"/>
           <p:cNvSpPr>
             <a:spLocks noGrp="1"/>
           </p:cNvSpPr>
@@ -711,7 +711,7 @@
       </p:sp>
       <p:sp>
         <p:nvSpPr>
-          <p:cNvPr id="520178646" name="Slide Number Placeholder 3"/>
+          <p:cNvPr id="1306945770" name="Slide Number Placeholder 3"/>
           <p:cNvSpPr>
             <a:spLocks noGrp="1"/>
           </p:cNvSpPr>
@@ -759,7 +759,7 @@
       </p:grpSpPr>
       <p:sp>
         <p:nvSpPr>
-          <p:cNvPr id="1517916349" name="Title 1"/>
+          <p:cNvPr id="1593384050" name="Title 1"/>
           <p:cNvSpPr>
             <a:spLocks noGrp="1"/>
           </p:cNvSpPr>
@@ -794,7 +794,7 @@
       </p:sp>
       <p:sp>
         <p:nvSpPr>
-          <p:cNvPr id="614190643" name="Subtitle 2"/>
+          <p:cNvPr id="1765955856" name="Subtitle 2"/>
           <p:cNvSpPr>
             <a:spLocks noGrp="1"/>
           </p:cNvSpPr>
@@ -862,7 +862,7 @@
       </p:sp>
       <p:sp>
         <p:nvSpPr>
-          <p:cNvPr id="1269721991" name="Date Placeholder 3"/>
+          <p:cNvPr id="1845590944" name="Date Placeholder 3"/>
           <p:cNvSpPr>
             <a:spLocks noGrp="1"/>
           </p:cNvSpPr>
@@ -888,7 +888,7 @@
       </p:sp>
       <p:sp>
         <p:nvSpPr>
-          <p:cNvPr id="1675416759" name="Footer Placeholder 4"/>
+          <p:cNvPr id="1021807129" name="Footer Placeholder 4"/>
           <p:cNvSpPr>
             <a:spLocks noGrp="1"/>
           </p:cNvSpPr>
@@ -910,7 +910,7 @@
       </p:sp>
       <p:sp>
         <p:nvSpPr>
-          <p:cNvPr id="651130123" name="Slide Number Placeholder 5"/>
+          <p:cNvPr id="695284927" name="Slide Number Placeholder 5"/>
           <p:cNvSpPr>
             <a:spLocks noGrp="1"/>
           </p:cNvSpPr>
@@ -961,7 +961,7 @@
       </p:grpSpPr>
       <p:sp>
         <p:nvSpPr>
-          <p:cNvPr id="789988535" name="Title 1"/>
+          <p:cNvPr id="197964968" name="Title 1"/>
           <p:cNvSpPr>
             <a:spLocks noGrp="1"/>
           </p:cNvSpPr>
@@ -987,7 +987,7 @@
       </p:sp>
       <p:sp>
         <p:nvSpPr>
-          <p:cNvPr id="121896996" name="Vertical Text Placeholder 2"/>
+          <p:cNvPr id="473211930" name="Vertical Text Placeholder 2"/>
           <p:cNvSpPr>
             <a:spLocks noGrp="1"/>
           </p:cNvSpPr>
@@ -1053,7 +1053,7 @@
       </p:sp>
       <p:sp>
         <p:nvSpPr>
-          <p:cNvPr id="1322275500" name="Date Placeholder 3"/>
+          <p:cNvPr id="1488636100" name="Date Placeholder 3"/>
           <p:cNvSpPr>
             <a:spLocks noGrp="1"/>
           </p:cNvSpPr>
@@ -1079,7 +1079,7 @@
       </p:sp>
       <p:sp>
         <p:nvSpPr>
-          <p:cNvPr id="354323983" name="Footer Placeholder 4"/>
+          <p:cNvPr id="677992248" name="Footer Placeholder 4"/>
           <p:cNvSpPr>
             <a:spLocks noGrp="1"/>
           </p:cNvSpPr>
@@ -1101,7 +1101,7 @@
       </p:sp>
       <p:sp>
         <p:nvSpPr>
-          <p:cNvPr id="207453490" name="Slide Number Placeholder 5"/>
+          <p:cNvPr id="903068422" name="Slide Number Placeholder 5"/>
           <p:cNvSpPr>
             <a:spLocks noGrp="1"/>
           </p:cNvSpPr>
@@ -1152,7 +1152,7 @@
       </p:grpSpPr>
       <p:sp>
         <p:nvSpPr>
-          <p:cNvPr id="1750050554" name="Vertical Title 1"/>
+          <p:cNvPr id="1509992653" name="Vertical Title 1"/>
           <p:cNvSpPr>
             <a:spLocks noGrp="1"/>
           </p:cNvSpPr>
@@ -1183,7 +1183,7 @@
       </p:sp>
       <p:sp>
         <p:nvSpPr>
-          <p:cNvPr id="1813998617" name="Vertical Text Placeholder 2"/>
+          <p:cNvPr id="2102914999" name="Vertical Text Placeholder 2"/>
           <p:cNvSpPr>
             <a:spLocks noGrp="1"/>
           </p:cNvSpPr>
@@ -1254,7 +1254,7 @@
       </p:sp>
       <p:sp>
         <p:nvSpPr>
-          <p:cNvPr id="145059292" name="Date Placeholder 3"/>
+          <p:cNvPr id="1720379363" name="Date Placeholder 3"/>
           <p:cNvSpPr>
             <a:spLocks noGrp="1"/>
           </p:cNvSpPr>
@@ -1280,7 +1280,7 @@
       </p:sp>
       <p:sp>
         <p:nvSpPr>
-          <p:cNvPr id="648550052" name="Footer Placeholder 4"/>
+          <p:cNvPr id="1140274349" name="Footer Placeholder 4"/>
           <p:cNvSpPr>
             <a:spLocks noGrp="1"/>
           </p:cNvSpPr>
@@ -1302,7 +1302,7 @@
       </p:sp>
       <p:sp>
         <p:nvSpPr>
-          <p:cNvPr id="1484900802" name="Slide Number Placeholder 5"/>
+          <p:cNvPr id="1679899010" name="Slide Number Placeholder 5"/>
           <p:cNvSpPr>
             <a:spLocks noGrp="1"/>
           </p:cNvSpPr>
@@ -1353,7 +1353,7 @@
       </p:grpSpPr>
       <p:sp>
         <p:nvSpPr>
-          <p:cNvPr id="522579730" name="Title 1"/>
+          <p:cNvPr id="525319761" name="Title 1"/>
           <p:cNvSpPr>
             <a:spLocks noGrp="1"/>
           </p:cNvSpPr>
@@ -1379,7 +1379,7 @@
       </p:sp>
       <p:sp>
         <p:nvSpPr>
-          <p:cNvPr id="843773377" name="Content Placeholder 2"/>
+          <p:cNvPr id="2018428314" name="Content Placeholder 2"/>
           <p:cNvSpPr>
             <a:spLocks noGrp="1"/>
           </p:cNvSpPr>
@@ -1445,7 +1445,7 @@
       </p:sp>
       <p:sp>
         <p:nvSpPr>
-          <p:cNvPr id="1358189459" name="Date Placeholder 3"/>
+          <p:cNvPr id="616176012" name="Date Placeholder 3"/>
           <p:cNvSpPr>
             <a:spLocks noGrp="1"/>
           </p:cNvSpPr>
@@ -1471,7 +1471,7 @@
       </p:sp>
       <p:sp>
         <p:nvSpPr>
-          <p:cNvPr id="280607804" name="Footer Placeholder 4"/>
+          <p:cNvPr id="301476075" name="Footer Placeholder 4"/>
           <p:cNvSpPr>
             <a:spLocks noGrp="1"/>
           </p:cNvSpPr>
@@ -1493,7 +1493,7 @@
       </p:sp>
       <p:sp>
         <p:nvSpPr>
-          <p:cNvPr id="1709051426" name="Slide Number Placeholder 5"/>
+          <p:cNvPr id="795630417" name="Slide Number Placeholder 5"/>
           <p:cNvSpPr>
             <a:spLocks noGrp="1"/>
           </p:cNvSpPr>
@@ -1544,7 +1544,7 @@
       </p:grpSpPr>
       <p:sp>
         <p:nvSpPr>
-          <p:cNvPr id="2059147777" name="Title 1"/>
+          <p:cNvPr id="1306843107" name="Title 1"/>
           <p:cNvSpPr>
             <a:spLocks noGrp="1"/>
           </p:cNvSpPr>
@@ -1579,7 +1579,7 @@
       </p:sp>
       <p:sp>
         <p:nvSpPr>
-          <p:cNvPr id="24922845" name="Text Placeholder 2"/>
+          <p:cNvPr id="283075253" name="Text Placeholder 2"/>
           <p:cNvSpPr>
             <a:spLocks noGrp="1"/>
           </p:cNvSpPr>
@@ -1701,7 +1701,7 @@
       </p:sp>
       <p:sp>
         <p:nvSpPr>
-          <p:cNvPr id="932010219" name="Date Placeholder 3"/>
+          <p:cNvPr id="594721767" name="Date Placeholder 3"/>
           <p:cNvSpPr>
             <a:spLocks noGrp="1"/>
           </p:cNvSpPr>
@@ -1727,7 +1727,7 @@
       </p:sp>
       <p:sp>
         <p:nvSpPr>
-          <p:cNvPr id="1812064590" name="Footer Placeholder 4"/>
+          <p:cNvPr id="1613938602" name="Footer Placeholder 4"/>
           <p:cNvSpPr>
             <a:spLocks noGrp="1"/>
           </p:cNvSpPr>
@@ -1749,7 +1749,7 @@
       </p:sp>
       <p:sp>
         <p:nvSpPr>
-          <p:cNvPr id="217735227" name="Slide Number Placeholder 5"/>
+          <p:cNvPr id="1878659115" name="Slide Number Placeholder 5"/>
           <p:cNvSpPr>
             <a:spLocks noGrp="1"/>
           </p:cNvSpPr>
@@ -1800,7 +1800,7 @@
       </p:grpSpPr>
       <p:sp>
         <p:nvSpPr>
-          <p:cNvPr id="323776933" name="Title 1"/>
+          <p:cNvPr id="768162874" name="Title 1"/>
           <p:cNvSpPr>
             <a:spLocks noGrp="1"/>
           </p:cNvSpPr>
@@ -1826,7 +1826,7 @@
       </p:sp>
       <p:sp>
         <p:nvSpPr>
-          <p:cNvPr id="1239071957" name="Content Placeholder 2"/>
+          <p:cNvPr id="151485777" name="Content Placeholder 2"/>
           <p:cNvSpPr>
             <a:spLocks noGrp="1"/>
           </p:cNvSpPr>
@@ -1897,7 +1897,7 @@
       </p:sp>
       <p:sp>
         <p:nvSpPr>
-          <p:cNvPr id="256944409" name="Content Placeholder 3"/>
+          <p:cNvPr id="1383809029" name="Content Placeholder 3"/>
           <p:cNvSpPr>
             <a:spLocks noGrp="1"/>
           </p:cNvSpPr>
@@ -1968,7 +1968,7 @@
       </p:sp>
       <p:sp>
         <p:nvSpPr>
-          <p:cNvPr id="868864254" name="Date Placeholder 4"/>
+          <p:cNvPr id="951474322" name="Date Placeholder 4"/>
           <p:cNvSpPr>
             <a:spLocks noGrp="1"/>
           </p:cNvSpPr>
@@ -1994,7 +1994,7 @@
       </p:sp>
       <p:sp>
         <p:nvSpPr>
-          <p:cNvPr id="423894925" name="Footer Placeholder 5"/>
+          <p:cNvPr id="923666583" name="Footer Placeholder 5"/>
           <p:cNvSpPr>
             <a:spLocks noGrp="1"/>
           </p:cNvSpPr>
@@ -2016,7 +2016,7 @@
       </p:sp>
       <p:sp>
         <p:nvSpPr>
-          <p:cNvPr id="476270867" name="Slide Number Placeholder 6"/>
+          <p:cNvPr id="542352345" name="Slide Number Placeholder 6"/>
           <p:cNvSpPr>
             <a:spLocks noGrp="1"/>
           </p:cNvSpPr>
@@ -2067,7 +2067,7 @@
       </p:grpSpPr>
       <p:sp>
         <p:nvSpPr>
-          <p:cNvPr id="1339910281" name="Title 1"/>
+          <p:cNvPr id="1663340352" name="Title 1"/>
           <p:cNvSpPr>
             <a:spLocks noGrp="1"/>
           </p:cNvSpPr>
@@ -2098,7 +2098,7 @@
       </p:sp>
       <p:sp>
         <p:nvSpPr>
-          <p:cNvPr id="1646588043" name="Text Placeholder 2"/>
+          <p:cNvPr id="58312256" name="Text Placeholder 2"/>
           <p:cNvSpPr>
             <a:spLocks noGrp="1"/>
           </p:cNvSpPr>
@@ -2166,7 +2166,7 @@
       </p:sp>
       <p:sp>
         <p:nvSpPr>
-          <p:cNvPr id="140802725" name="Content Placeholder 3"/>
+          <p:cNvPr id="974423308" name="Content Placeholder 3"/>
           <p:cNvSpPr>
             <a:spLocks noGrp="1"/>
           </p:cNvSpPr>
@@ -2237,7 +2237,7 @@
       </p:sp>
       <p:sp>
         <p:nvSpPr>
-          <p:cNvPr id="1226757273" name="Text Placeholder 4"/>
+          <p:cNvPr id="1558282572" name="Text Placeholder 4"/>
           <p:cNvSpPr>
             <a:spLocks noGrp="1"/>
           </p:cNvSpPr>
@@ -2305,7 +2305,7 @@
       </p:sp>
       <p:sp>
         <p:nvSpPr>
-          <p:cNvPr id="1243716598" name="Content Placeholder 5"/>
+          <p:cNvPr id="632881304" name="Content Placeholder 5"/>
           <p:cNvSpPr>
             <a:spLocks noGrp="1"/>
           </p:cNvSpPr>
@@ -2376,7 +2376,7 @@
       </p:sp>
       <p:sp>
         <p:nvSpPr>
-          <p:cNvPr id="754089957" name="Date Placeholder 6"/>
+          <p:cNvPr id="494633921" name="Date Placeholder 6"/>
           <p:cNvSpPr>
             <a:spLocks noGrp="1"/>
           </p:cNvSpPr>
@@ -2402,7 +2402,7 @@
       </p:sp>
       <p:sp>
         <p:nvSpPr>
-          <p:cNvPr id="598523695" name="Footer Placeholder 7"/>
+          <p:cNvPr id="1864285356" name="Footer Placeholder 7"/>
           <p:cNvSpPr>
             <a:spLocks noGrp="1"/>
           </p:cNvSpPr>
@@ -2424,7 +2424,7 @@
       </p:sp>
       <p:sp>
         <p:nvSpPr>
-          <p:cNvPr id="1166989177" name="Slide Number Placeholder 8"/>
+          <p:cNvPr id="1753854742" name="Slide Number Placeholder 8"/>
           <p:cNvSpPr>
             <a:spLocks noGrp="1"/>
           </p:cNvSpPr>
@@ -2475,7 +2475,7 @@
       </p:grpSpPr>
       <p:sp>
         <p:nvSpPr>
-          <p:cNvPr id="1755105163" name="Title 1"/>
+          <p:cNvPr id="2017327529" name="Title 1"/>
           <p:cNvSpPr>
             <a:spLocks noGrp="1"/>
           </p:cNvSpPr>
@@ -2501,7 +2501,7 @@
       </p:sp>
       <p:sp>
         <p:nvSpPr>
-          <p:cNvPr id="1009723216" name="Date Placeholder 2"/>
+          <p:cNvPr id="1838383363" name="Date Placeholder 2"/>
           <p:cNvSpPr>
             <a:spLocks noGrp="1"/>
           </p:cNvSpPr>
@@ -2527,7 +2527,7 @@
       </p:sp>
       <p:sp>
         <p:nvSpPr>
-          <p:cNvPr id="781135651" name="Footer Placeholder 3"/>
+          <p:cNvPr id="620219986" name="Footer Placeholder 3"/>
           <p:cNvSpPr>
             <a:spLocks noGrp="1"/>
           </p:cNvSpPr>
@@ -2549,7 +2549,7 @@
       </p:sp>
       <p:sp>
         <p:nvSpPr>
-          <p:cNvPr id="1311152007" name="Slide Number Placeholder 4"/>
+          <p:cNvPr id="44431962" name="Slide Number Placeholder 4"/>
           <p:cNvSpPr>
             <a:spLocks noGrp="1"/>
           </p:cNvSpPr>
@@ -2600,7 +2600,7 @@
       </p:grpSpPr>
       <p:sp>
         <p:nvSpPr>
-          <p:cNvPr id="1779579603" name="Date Placeholder 1"/>
+          <p:cNvPr id="193544694" name="Date Placeholder 1"/>
           <p:cNvSpPr>
             <a:spLocks noGrp="1"/>
           </p:cNvSpPr>
@@ -2626,7 +2626,7 @@
       </p:sp>
       <p:sp>
         <p:nvSpPr>
-          <p:cNvPr id="151499974" name="Footer Placeholder 2"/>
+          <p:cNvPr id="889334544" name="Footer Placeholder 2"/>
           <p:cNvSpPr>
             <a:spLocks noGrp="1"/>
           </p:cNvSpPr>
@@ -2648,7 +2648,7 @@
       </p:sp>
       <p:sp>
         <p:nvSpPr>
-          <p:cNvPr id="1775287791" name="Slide Number Placeholder 3"/>
+          <p:cNvPr id="1603154202" name="Slide Number Placeholder 3"/>
           <p:cNvSpPr>
             <a:spLocks noGrp="1"/>
           </p:cNvSpPr>
@@ -2699,7 +2699,7 @@
       </p:grpSpPr>
       <p:sp>
         <p:nvSpPr>
-          <p:cNvPr id="1207910511" name="Title 1"/>
+          <p:cNvPr id="99877228" name="Title 1"/>
           <p:cNvSpPr>
             <a:spLocks noGrp="1"/>
           </p:cNvSpPr>
@@ -2734,7 +2734,7 @@
       </p:sp>
       <p:sp>
         <p:nvSpPr>
-          <p:cNvPr id="1605949673" name="Content Placeholder 2"/>
+          <p:cNvPr id="813184751" name="Content Placeholder 2"/>
           <p:cNvSpPr>
             <a:spLocks noGrp="1"/>
           </p:cNvSpPr>
@@ -2833,7 +2833,7 @@
       </p:sp>
       <p:sp>
         <p:nvSpPr>
-          <p:cNvPr id="674019328" name="Text Placeholder 3"/>
+          <p:cNvPr id="934615520" name="Text Placeholder 3"/>
           <p:cNvSpPr>
             <a:spLocks noGrp="1"/>
           </p:cNvSpPr>
@@ -2901,7 +2901,7 @@
       </p:sp>
       <p:sp>
         <p:nvSpPr>
-          <p:cNvPr id="691400291" name="Date Placeholder 4"/>
+          <p:cNvPr id="1639311800" name="Date Placeholder 4"/>
           <p:cNvSpPr>
             <a:spLocks noGrp="1"/>
           </p:cNvSpPr>
@@ -2927,7 +2927,7 @@
       </p:sp>
       <p:sp>
         <p:nvSpPr>
-          <p:cNvPr id="361292525" name="Footer Placeholder 5"/>
+          <p:cNvPr id="1619558608" name="Footer Placeholder 5"/>
           <p:cNvSpPr>
             <a:spLocks noGrp="1"/>
           </p:cNvSpPr>
@@ -2949,7 +2949,7 @@
       </p:sp>
       <p:sp>
         <p:nvSpPr>
-          <p:cNvPr id="435339843" name="Slide Number Placeholder 6"/>
+          <p:cNvPr id="1005512642" name="Slide Number Placeholder 6"/>
           <p:cNvSpPr>
             <a:spLocks noGrp="1"/>
           </p:cNvSpPr>
@@ -3000,7 +3000,7 @@
       </p:grpSpPr>
       <p:sp>
         <p:nvSpPr>
-          <p:cNvPr id="466732900" name="Title 1"/>
+          <p:cNvPr id="107906913" name="Title 1"/>
           <p:cNvSpPr>
             <a:spLocks noGrp="1"/>
           </p:cNvSpPr>
@@ -3035,7 +3035,7 @@
       </p:sp>
       <p:sp>
         <p:nvSpPr>
-          <p:cNvPr id="418577699" name="Picture Placeholder 2"/>
+          <p:cNvPr id="568150890" name="Picture Placeholder 2"/>
           <p:cNvSpPr>
             <a:spLocks noChangeAspect="1" noGrp="1"/>
           </p:cNvSpPr>
@@ -3103,7 +3103,7 @@
       </p:sp>
       <p:sp>
         <p:nvSpPr>
-          <p:cNvPr id="782595780" name="Text Placeholder 3"/>
+          <p:cNvPr id="12534540" name="Text Placeholder 3"/>
           <p:cNvSpPr>
             <a:spLocks noGrp="1"/>
           </p:cNvSpPr>
@@ -3171,7 +3171,7 @@
       </p:sp>
       <p:sp>
         <p:nvSpPr>
-          <p:cNvPr id="657759862" name="Date Placeholder 4"/>
+          <p:cNvPr id="451585495" name="Date Placeholder 4"/>
           <p:cNvSpPr>
             <a:spLocks noGrp="1"/>
           </p:cNvSpPr>
@@ -3197,7 +3197,7 @@
       </p:sp>
       <p:sp>
         <p:nvSpPr>
-          <p:cNvPr id="1893470748" name="Footer Placeholder 5"/>
+          <p:cNvPr id="2135148653" name="Footer Placeholder 5"/>
           <p:cNvSpPr>
             <a:spLocks noGrp="1"/>
           </p:cNvSpPr>
@@ -3219,7 +3219,7 @@
       </p:sp>
       <p:sp>
         <p:nvSpPr>
-          <p:cNvPr id="1479129514" name="Slide Number Placeholder 6"/>
+          <p:cNvPr id="332397955" name="Slide Number Placeholder 6"/>
           <p:cNvSpPr>
             <a:spLocks noGrp="1"/>
           </p:cNvSpPr>
@@ -3275,7 +3275,7 @@
       </p:grpSpPr>
       <p:sp>
         <p:nvSpPr>
-          <p:cNvPr id="292516469" name="Title Placeholder 1"/>
+          <p:cNvPr id="683274579" name="Title Placeholder 1"/>
           <p:cNvSpPr>
             <a:spLocks noGrp="1"/>
           </p:cNvSpPr>
@@ -3311,7 +3311,7 @@
       </p:sp>
       <p:sp>
         <p:nvSpPr>
-          <p:cNvPr id="179443192" name="Text Placeholder 2"/>
+          <p:cNvPr id="2111119277" name="Text Placeholder 2"/>
           <p:cNvSpPr>
             <a:spLocks noGrp="1"/>
           </p:cNvSpPr>
@@ -3387,7 +3387,7 @@
       </p:sp>
       <p:sp>
         <p:nvSpPr>
-          <p:cNvPr id="12269216" name="Date Placeholder 3"/>
+          <p:cNvPr id="105895896" name="Date Placeholder 3"/>
           <p:cNvSpPr>
             <a:spLocks noGrp="1"/>
           </p:cNvSpPr>
@@ -3431,7 +3431,7 @@
       </p:sp>
       <p:sp>
         <p:nvSpPr>
-          <p:cNvPr id="1779297453" name="Footer Placeholder 4"/>
+          <p:cNvPr id="810179199" name="Footer Placeholder 4"/>
           <p:cNvSpPr>
             <a:spLocks noGrp="1"/>
           </p:cNvSpPr>
@@ -3471,7 +3471,7 @@
       </p:sp>
       <p:sp>
         <p:nvSpPr>
-          <p:cNvPr id="1193649755" name="Slide Number Placeholder 5"/>
+          <p:cNvPr id="2064351148" name="Slide Number Placeholder 5"/>
           <p:cNvSpPr>
             <a:spLocks noGrp="1"/>
           </p:cNvSpPr>
@@ -3831,7 +3831,7 @@
       </p:grpSpPr>
       <p:sp>
         <p:nvSpPr>
-          <p:cNvPr id="2039590279" name="Title 1"/>
+          <p:cNvPr id="771987430" name="Title 1"/>
           <p:cNvSpPr>
             <a:spLocks noGrp="1"/>
           </p:cNvSpPr>
@@ -3878,7 +3878,7 @@
       </p:sp>
       <p:sp>
         <p:nvSpPr>
-          <p:cNvPr id="2104095975" name="Subtitle 2"/>
+          <p:cNvPr id="1477595572" name="Subtitle 2"/>
           <p:cNvSpPr>
             <a:spLocks noGrp="1"/>
           </p:cNvSpPr>
@@ -3921,7 +3921,7 @@
       </p:sp>
       <p:pic>
         <p:nvPicPr>
-          <p:cNvPr id="850630865" name=""/>
+          <p:cNvPr id="1557476509" name=""/>
           <p:cNvPicPr>
             <a:picLocks noChangeAspect="1"/>
           </p:cNvPicPr>
@@ -3976,7 +3976,7 @@
       </p:grpSpPr>
       <p:sp>
         <p:nvSpPr>
-          <p:cNvPr id="1999416289" name="Title 1"/>
+          <p:cNvPr id="613710627" name="Title 1"/>
           <p:cNvSpPr>
             <a:spLocks noGrp="1"/>
           </p:cNvSpPr>
@@ -4010,7 +4010,7 @@
       </p:sp>
       <p:sp>
         <p:nvSpPr>
-          <p:cNvPr id="1707770788" name="Content Placeholder 2"/>
+          <p:cNvPr id="2112393914" name="Content Placeholder 2"/>
           <p:cNvSpPr>
             <a:spLocks noGrp="1"/>
           </p:cNvSpPr>
@@ -4116,7 +4116,7 @@
       </p:grpSpPr>
       <p:sp>
         <p:nvSpPr>
-          <p:cNvPr id="1111728323" name="Content Placeholder 2"/>
+          <p:cNvPr id="1874980468" name="Content Placeholder 2"/>
           <p:cNvSpPr>
             <a:spLocks noGrp="1"/>
           </p:cNvSpPr>
@@ -4203,7 +4203,7 @@
       </p:sp>
       <p:sp>
         <p:nvSpPr>
-          <p:cNvPr id="1215842227" name="Title 1"/>
+          <p:cNvPr id="540516767" name="Title 1"/>
           <p:cNvSpPr>
             <a:spLocks noGrp="1"/>
           </p:cNvSpPr>
@@ -4242,7 +4242,7 @@
       </p:sp>
       <p:pic>
         <p:nvPicPr>
-          <p:cNvPr id="888833857" name=""/>
+          <p:cNvPr id="407385074" name=""/>
           <p:cNvPicPr>
             <a:picLocks noChangeAspect="1"/>
           </p:cNvPicPr>
@@ -4254,8 +4254,8 @@
         </p:blipFill>
         <p:spPr bwMode="auto">
           <a:xfrm>
-            <a:off x="6149635" y="266698"/>
-            <a:ext cx="5105399" cy="6324599"/>
+            <a:off x="6260606" y="266698"/>
+            <a:ext cx="5019674" cy="6324599"/>
           </a:xfrm>
           <a:prstGeom prst="rect">
             <a:avLst/>
